--- a/D3 Tutorial.pptx
+++ b/D3 Tutorial.pptx
@@ -4,6 +4,9 @@
   <p:sldMasterIdLst>
     <p:sldMasterId id="2147483648" r:id="rId1"/>
   </p:sldMasterIdLst>
+  <p:notesMasterIdLst>
+    <p:notesMasterId r:id="rId20"/>
+  </p:notesMasterIdLst>
   <p:sldIdLst>
     <p:sldId id="256" r:id="rId2"/>
     <p:sldId id="257" r:id="rId3"/>
@@ -14,6 +17,15 @@
     <p:sldId id="262" r:id="rId8"/>
     <p:sldId id="263" r:id="rId9"/>
     <p:sldId id="264" r:id="rId10"/>
+    <p:sldId id="265" r:id="rId11"/>
+    <p:sldId id="266" r:id="rId12"/>
+    <p:sldId id="267" r:id="rId13"/>
+    <p:sldId id="270" r:id="rId14"/>
+    <p:sldId id="268" r:id="rId15"/>
+    <p:sldId id="269" r:id="rId16"/>
+    <p:sldId id="271" r:id="rId17"/>
+    <p:sldId id="272" r:id="rId18"/>
+    <p:sldId id="273" r:id="rId19"/>
   </p:sldIdLst>
   <p:sldSz cx="12192000" cy="6858000"/>
   <p:notesSz cx="6858000" cy="9144000"/>
@@ -112,7 +124,362 @@
       </a:defRPr>
     </a:lvl9pPr>
   </p:defaultTextStyle>
+  <p:extLst>
+    <p:ext uri="{EFAFB233-063F-42B5-8137-9DF3F51BA10A}">
+      <p15:sldGuideLst xmlns:p15="http://schemas.microsoft.com/office/powerpoint/2012/main"/>
+    </p:ext>
+  </p:extLst>
 </p:presentation>
+</file>
+
+<file path=ppt/notesMasters/notesMaster1.xml><?xml version="1.0" encoding="utf-8"?>
+<p:notesMaster xmlns:a="http://schemas.openxmlformats.org/drawingml/2006/main" xmlns:r="http://schemas.openxmlformats.org/officeDocument/2006/relationships" xmlns:p="http://schemas.openxmlformats.org/presentationml/2006/main">
+  <p:cSld>
+    <p:bg>
+      <p:bgRef idx="1001">
+        <a:schemeClr val="bg1"/>
+      </p:bgRef>
+    </p:bg>
+    <p:spTree>
+      <p:nvGrpSpPr>
+        <p:cNvPr id="1" name=""/>
+        <p:cNvGrpSpPr/>
+        <p:nvPr/>
+      </p:nvGrpSpPr>
+      <p:grpSpPr>
+        <a:xfrm>
+          <a:off x="0" y="0"/>
+          <a:ext cx="0" cy="0"/>
+          <a:chOff x="0" y="0"/>
+          <a:chExt cx="0" cy="0"/>
+        </a:xfrm>
+      </p:grpSpPr>
+      <p:sp>
+        <p:nvSpPr>
+          <p:cNvPr id="2" name="Header Placeholder 1"/>
+          <p:cNvSpPr>
+            <a:spLocks noGrp="1"/>
+          </p:cNvSpPr>
+          <p:nvPr>
+            <p:ph type="hdr" sz="quarter"/>
+          </p:nvPr>
+        </p:nvSpPr>
+        <p:spPr>
+          <a:xfrm>
+            <a:off x="0" y="0"/>
+            <a:ext cx="2971800" cy="458788"/>
+          </a:xfrm>
+          <a:prstGeom prst="rect">
+            <a:avLst/>
+          </a:prstGeom>
+        </p:spPr>
+        <p:txBody>
+          <a:bodyPr vert="horz" lIns="91440" tIns="45720" rIns="91440" bIns="45720" rtlCol="0"/>
+          <a:lstStyle>
+            <a:lvl1pPr algn="l">
+              <a:defRPr sz="1200"/>
+            </a:lvl1pPr>
+          </a:lstStyle>
+          <a:p>
+            <a:endParaRPr lang="en-US"/>
+          </a:p>
+        </p:txBody>
+      </p:sp>
+      <p:sp>
+        <p:nvSpPr>
+          <p:cNvPr id="3" name="Date Placeholder 2"/>
+          <p:cNvSpPr>
+            <a:spLocks noGrp="1"/>
+          </p:cNvSpPr>
+          <p:nvPr>
+            <p:ph type="dt" idx="1"/>
+          </p:nvPr>
+        </p:nvSpPr>
+        <p:spPr>
+          <a:xfrm>
+            <a:off x="3884613" y="0"/>
+            <a:ext cx="2971800" cy="458788"/>
+          </a:xfrm>
+          <a:prstGeom prst="rect">
+            <a:avLst/>
+          </a:prstGeom>
+        </p:spPr>
+        <p:txBody>
+          <a:bodyPr vert="horz" lIns="91440" tIns="45720" rIns="91440" bIns="45720" rtlCol="0"/>
+          <a:lstStyle>
+            <a:lvl1pPr algn="r">
+              <a:defRPr sz="1200"/>
+            </a:lvl1pPr>
+          </a:lstStyle>
+          <a:p>
+            <a:fld id="{2DF9A0E2-F8E1-7748-B23B-3B73EDAB3A8C}" type="datetimeFigureOut">
+              <a:rPr lang="en-US" smtClean="0"/>
+              <a:t>9/6/18</a:t>
+            </a:fld>
+            <a:endParaRPr lang="en-US"/>
+          </a:p>
+        </p:txBody>
+      </p:sp>
+      <p:sp>
+        <p:nvSpPr>
+          <p:cNvPr id="4" name="Slide Image Placeholder 3"/>
+          <p:cNvSpPr>
+            <a:spLocks noGrp="1" noRot="1" noChangeAspect="1"/>
+          </p:cNvSpPr>
+          <p:nvPr>
+            <p:ph type="sldImg" idx="2"/>
+          </p:nvPr>
+        </p:nvSpPr>
+        <p:spPr>
+          <a:xfrm>
+            <a:off x="685800" y="1143000"/>
+            <a:ext cx="5486400" cy="3086100"/>
+          </a:xfrm>
+          <a:prstGeom prst="rect">
+            <a:avLst/>
+          </a:prstGeom>
+          <a:noFill/>
+          <a:ln w="12700">
+            <a:solidFill>
+              <a:prstClr val="black"/>
+            </a:solidFill>
+          </a:ln>
+        </p:spPr>
+        <p:txBody>
+          <a:bodyPr vert="horz" lIns="91440" tIns="45720" rIns="91440" bIns="45720" rtlCol="0" anchor="ctr"/>
+          <a:lstStyle/>
+          <a:p>
+            <a:endParaRPr lang="en-US"/>
+          </a:p>
+        </p:txBody>
+      </p:sp>
+      <p:sp>
+        <p:nvSpPr>
+          <p:cNvPr id="5" name="Notes Placeholder 4"/>
+          <p:cNvSpPr>
+            <a:spLocks noGrp="1"/>
+          </p:cNvSpPr>
+          <p:nvPr>
+            <p:ph type="body" sz="quarter" idx="3"/>
+          </p:nvPr>
+        </p:nvSpPr>
+        <p:spPr>
+          <a:xfrm>
+            <a:off x="685800" y="4400550"/>
+            <a:ext cx="5486400" cy="3600450"/>
+          </a:xfrm>
+          <a:prstGeom prst="rect">
+            <a:avLst/>
+          </a:prstGeom>
+        </p:spPr>
+        <p:txBody>
+          <a:bodyPr vert="horz" lIns="91440" tIns="45720" rIns="91440" bIns="45720" rtlCol="0"/>
+          <a:lstStyle/>
+          <a:p>
+            <a:pPr lvl="0"/>
+            <a:r>
+              <a:rPr lang="en-US" smtClean="0"/>
+              <a:t>Click to edit Master text styles</a:t>
+            </a:r>
+          </a:p>
+          <a:p>
+            <a:pPr lvl="1"/>
+            <a:r>
+              <a:rPr lang="en-US" smtClean="0"/>
+              <a:t>Second level</a:t>
+            </a:r>
+          </a:p>
+          <a:p>
+            <a:pPr lvl="2"/>
+            <a:r>
+              <a:rPr lang="en-US" smtClean="0"/>
+              <a:t>Third level</a:t>
+            </a:r>
+          </a:p>
+          <a:p>
+            <a:pPr lvl="3"/>
+            <a:r>
+              <a:rPr lang="en-US" smtClean="0"/>
+              <a:t>Fourth level</a:t>
+            </a:r>
+          </a:p>
+          <a:p>
+            <a:pPr lvl="4"/>
+            <a:r>
+              <a:rPr lang="en-US" smtClean="0"/>
+              <a:t>Fifth level</a:t>
+            </a:r>
+            <a:endParaRPr lang="en-US"/>
+          </a:p>
+        </p:txBody>
+      </p:sp>
+      <p:sp>
+        <p:nvSpPr>
+          <p:cNvPr id="6" name="Footer Placeholder 5"/>
+          <p:cNvSpPr>
+            <a:spLocks noGrp="1"/>
+          </p:cNvSpPr>
+          <p:nvPr>
+            <p:ph type="ftr" sz="quarter" idx="4"/>
+          </p:nvPr>
+        </p:nvSpPr>
+        <p:spPr>
+          <a:xfrm>
+            <a:off x="0" y="8685213"/>
+            <a:ext cx="2971800" cy="458787"/>
+          </a:xfrm>
+          <a:prstGeom prst="rect">
+            <a:avLst/>
+          </a:prstGeom>
+        </p:spPr>
+        <p:txBody>
+          <a:bodyPr vert="horz" lIns="91440" tIns="45720" rIns="91440" bIns="45720" rtlCol="0" anchor="b"/>
+          <a:lstStyle>
+            <a:lvl1pPr algn="l">
+              <a:defRPr sz="1200"/>
+            </a:lvl1pPr>
+          </a:lstStyle>
+          <a:p>
+            <a:endParaRPr lang="en-US"/>
+          </a:p>
+        </p:txBody>
+      </p:sp>
+      <p:sp>
+        <p:nvSpPr>
+          <p:cNvPr id="7" name="Slide Number Placeholder 6"/>
+          <p:cNvSpPr>
+            <a:spLocks noGrp="1"/>
+          </p:cNvSpPr>
+          <p:nvPr>
+            <p:ph type="sldNum" sz="quarter" idx="5"/>
+          </p:nvPr>
+        </p:nvSpPr>
+        <p:spPr>
+          <a:xfrm>
+            <a:off x="3884613" y="8685213"/>
+            <a:ext cx="2971800" cy="458787"/>
+          </a:xfrm>
+          <a:prstGeom prst="rect">
+            <a:avLst/>
+          </a:prstGeom>
+        </p:spPr>
+        <p:txBody>
+          <a:bodyPr vert="horz" lIns="91440" tIns="45720" rIns="91440" bIns="45720" rtlCol="0" anchor="b"/>
+          <a:lstStyle>
+            <a:lvl1pPr algn="r">
+              <a:defRPr sz="1200"/>
+            </a:lvl1pPr>
+          </a:lstStyle>
+          <a:p>
+            <a:fld id="{E28B7189-3E20-474B-8080-700F7EEB86C2}" type="slidenum">
+              <a:rPr lang="en-US" smtClean="0"/>
+              <a:t>‹#›</a:t>
+            </a:fld>
+            <a:endParaRPr lang="en-US"/>
+          </a:p>
+        </p:txBody>
+      </p:sp>
+    </p:spTree>
+    <p:extLst>
+      <p:ext uri="{BB962C8B-B14F-4D97-AF65-F5344CB8AC3E}">
+        <p14:creationId xmlns:p14="http://schemas.microsoft.com/office/powerpoint/2010/main" val="2041526404"/>
+      </p:ext>
+    </p:extLst>
+  </p:cSld>
+  <p:clrMap bg1="lt1" tx1="dk1" bg2="lt2" tx2="dk2" accent1="accent1" accent2="accent2" accent3="accent3" accent4="accent4" accent5="accent5" accent6="accent6" hlink="hlink" folHlink="folHlink"/>
+  <p:notesStyle>
+    <a:lvl1pPr marL="0" algn="l" defTabSz="914400" rtl="0" eaLnBrk="1" latinLnBrk="0" hangingPunct="1">
+      <a:defRPr sz="1200" kern="1200">
+        <a:solidFill>
+          <a:schemeClr val="tx1"/>
+        </a:solidFill>
+        <a:latin typeface="+mn-lt"/>
+        <a:ea typeface="+mn-ea"/>
+        <a:cs typeface="+mn-cs"/>
+      </a:defRPr>
+    </a:lvl1pPr>
+    <a:lvl2pPr marL="457200" algn="l" defTabSz="914400" rtl="0" eaLnBrk="1" latinLnBrk="0" hangingPunct="1">
+      <a:defRPr sz="1200" kern="1200">
+        <a:solidFill>
+          <a:schemeClr val="tx1"/>
+        </a:solidFill>
+        <a:latin typeface="+mn-lt"/>
+        <a:ea typeface="+mn-ea"/>
+        <a:cs typeface="+mn-cs"/>
+      </a:defRPr>
+    </a:lvl2pPr>
+    <a:lvl3pPr marL="914400" algn="l" defTabSz="914400" rtl="0" eaLnBrk="1" latinLnBrk="0" hangingPunct="1">
+      <a:defRPr sz="1200" kern="1200">
+        <a:solidFill>
+          <a:schemeClr val="tx1"/>
+        </a:solidFill>
+        <a:latin typeface="+mn-lt"/>
+        <a:ea typeface="+mn-ea"/>
+        <a:cs typeface="+mn-cs"/>
+      </a:defRPr>
+    </a:lvl3pPr>
+    <a:lvl4pPr marL="1371600" algn="l" defTabSz="914400" rtl="0" eaLnBrk="1" latinLnBrk="0" hangingPunct="1">
+      <a:defRPr sz="1200" kern="1200">
+        <a:solidFill>
+          <a:schemeClr val="tx1"/>
+        </a:solidFill>
+        <a:latin typeface="+mn-lt"/>
+        <a:ea typeface="+mn-ea"/>
+        <a:cs typeface="+mn-cs"/>
+      </a:defRPr>
+    </a:lvl4pPr>
+    <a:lvl5pPr marL="1828800" algn="l" defTabSz="914400" rtl="0" eaLnBrk="1" latinLnBrk="0" hangingPunct="1">
+      <a:defRPr sz="1200" kern="1200">
+        <a:solidFill>
+          <a:schemeClr val="tx1"/>
+        </a:solidFill>
+        <a:latin typeface="+mn-lt"/>
+        <a:ea typeface="+mn-ea"/>
+        <a:cs typeface="+mn-cs"/>
+      </a:defRPr>
+    </a:lvl5pPr>
+    <a:lvl6pPr marL="2286000" algn="l" defTabSz="914400" rtl="0" eaLnBrk="1" latinLnBrk="0" hangingPunct="1">
+      <a:defRPr sz="1200" kern="1200">
+        <a:solidFill>
+          <a:schemeClr val="tx1"/>
+        </a:solidFill>
+        <a:latin typeface="+mn-lt"/>
+        <a:ea typeface="+mn-ea"/>
+        <a:cs typeface="+mn-cs"/>
+      </a:defRPr>
+    </a:lvl6pPr>
+    <a:lvl7pPr marL="2743200" algn="l" defTabSz="914400" rtl="0" eaLnBrk="1" latinLnBrk="0" hangingPunct="1">
+      <a:defRPr sz="1200" kern="1200">
+        <a:solidFill>
+          <a:schemeClr val="tx1"/>
+        </a:solidFill>
+        <a:latin typeface="+mn-lt"/>
+        <a:ea typeface="+mn-ea"/>
+        <a:cs typeface="+mn-cs"/>
+      </a:defRPr>
+    </a:lvl7pPr>
+    <a:lvl8pPr marL="3200400" algn="l" defTabSz="914400" rtl="0" eaLnBrk="1" latinLnBrk="0" hangingPunct="1">
+      <a:defRPr sz="1200" kern="1200">
+        <a:solidFill>
+          <a:schemeClr val="tx1"/>
+        </a:solidFill>
+        <a:latin typeface="+mn-lt"/>
+        <a:ea typeface="+mn-ea"/>
+        <a:cs typeface="+mn-cs"/>
+      </a:defRPr>
+    </a:lvl8pPr>
+    <a:lvl9pPr marL="3657600" algn="l" defTabSz="914400" rtl="0" eaLnBrk="1" latinLnBrk="0" hangingPunct="1">
+      <a:defRPr sz="1200" kern="1200">
+        <a:solidFill>
+          <a:schemeClr val="tx1"/>
+        </a:solidFill>
+        <a:latin typeface="+mn-lt"/>
+        <a:ea typeface="+mn-ea"/>
+        <a:cs typeface="+mn-cs"/>
+      </a:defRPr>
+    </a:lvl9pPr>
+  </p:notesStyle>
+</p:notesMaster>
 </file>
 
 <file path=ppt/slideLayouts/slideLayout1.xml><?xml version="1.0" encoding="utf-8"?>
@@ -246,7 +613,7 @@
           <a:p>
             <a:fld id="{94A5CCC0-65DE-4AE9-A984-3C31AB9533CF}" type="datetimeFigureOut">
               <a:rPr lang="en-US" smtClean="0"/>
-              <a:t>9/5/2018</a:t>
+              <a:t>9/6/18</a:t>
             </a:fld>
             <a:endParaRPr lang="en-US"/>
           </a:p>
@@ -416,7 +783,7 @@
           <a:p>
             <a:fld id="{94A5CCC0-65DE-4AE9-A984-3C31AB9533CF}" type="datetimeFigureOut">
               <a:rPr lang="en-US" smtClean="0"/>
-              <a:t>9/5/2018</a:t>
+              <a:t>9/6/18</a:t>
             </a:fld>
             <a:endParaRPr lang="en-US"/>
           </a:p>
@@ -596,7 +963,7 @@
           <a:p>
             <a:fld id="{94A5CCC0-65DE-4AE9-A984-3C31AB9533CF}" type="datetimeFigureOut">
               <a:rPr lang="en-US" smtClean="0"/>
-              <a:t>9/5/2018</a:t>
+              <a:t>9/6/18</a:t>
             </a:fld>
             <a:endParaRPr lang="en-US"/>
           </a:p>
@@ -766,7 +1133,7 @@
           <a:p>
             <a:fld id="{94A5CCC0-65DE-4AE9-A984-3C31AB9533CF}" type="datetimeFigureOut">
               <a:rPr lang="en-US" smtClean="0"/>
-              <a:t>9/5/2018</a:t>
+              <a:t>9/6/18</a:t>
             </a:fld>
             <a:endParaRPr lang="en-US"/>
           </a:p>
@@ -1012,7 +1379,7 @@
           <a:p>
             <a:fld id="{94A5CCC0-65DE-4AE9-A984-3C31AB9533CF}" type="datetimeFigureOut">
               <a:rPr lang="en-US" smtClean="0"/>
-              <a:t>9/5/2018</a:t>
+              <a:t>9/6/18</a:t>
             </a:fld>
             <a:endParaRPr lang="en-US"/>
           </a:p>
@@ -1244,7 +1611,7 @@
           <a:p>
             <a:fld id="{94A5CCC0-65DE-4AE9-A984-3C31AB9533CF}" type="datetimeFigureOut">
               <a:rPr lang="en-US" smtClean="0"/>
-              <a:t>9/5/2018</a:t>
+              <a:t>9/6/18</a:t>
             </a:fld>
             <a:endParaRPr lang="en-US"/>
           </a:p>
@@ -1611,7 +1978,7 @@
           <a:p>
             <a:fld id="{94A5CCC0-65DE-4AE9-A984-3C31AB9533CF}" type="datetimeFigureOut">
               <a:rPr lang="en-US" smtClean="0"/>
-              <a:t>9/5/2018</a:t>
+              <a:t>9/6/18</a:t>
             </a:fld>
             <a:endParaRPr lang="en-US"/>
           </a:p>
@@ -1729,7 +2096,7 @@
           <a:p>
             <a:fld id="{94A5CCC0-65DE-4AE9-A984-3C31AB9533CF}" type="datetimeFigureOut">
               <a:rPr lang="en-US" smtClean="0"/>
-              <a:t>9/5/2018</a:t>
+              <a:t>9/6/18</a:t>
             </a:fld>
             <a:endParaRPr lang="en-US"/>
           </a:p>
@@ -1824,7 +2191,7 @@
           <a:p>
             <a:fld id="{94A5CCC0-65DE-4AE9-A984-3C31AB9533CF}" type="datetimeFigureOut">
               <a:rPr lang="en-US" smtClean="0"/>
-              <a:t>9/5/2018</a:t>
+              <a:t>9/6/18</a:t>
             </a:fld>
             <a:endParaRPr lang="en-US"/>
           </a:p>
@@ -2101,7 +2468,7 @@
           <a:p>
             <a:fld id="{94A5CCC0-65DE-4AE9-A984-3C31AB9533CF}" type="datetimeFigureOut">
               <a:rPr lang="en-US" smtClean="0"/>
-              <a:t>9/5/2018</a:t>
+              <a:t>9/6/18</a:t>
             </a:fld>
             <a:endParaRPr lang="en-US"/>
           </a:p>
@@ -2354,7 +2721,7 @@
           <a:p>
             <a:fld id="{94A5CCC0-65DE-4AE9-A984-3C31AB9533CF}" type="datetimeFigureOut">
               <a:rPr lang="en-US" smtClean="0"/>
-              <a:t>9/5/2018</a:t>
+              <a:t>9/6/18</a:t>
             </a:fld>
             <a:endParaRPr lang="en-US"/>
           </a:p>
@@ -2567,7 +2934,7 @@
           <a:p>
             <a:fld id="{94A5CCC0-65DE-4AE9-A984-3C31AB9533CF}" type="datetimeFigureOut">
               <a:rPr lang="en-US" smtClean="0"/>
-              <a:t>9/5/2018</a:t>
+              <a:t>9/6/18</a:t>
             </a:fld>
             <a:endParaRPr lang="en-US"/>
           </a:p>
@@ -3031,6 +3398,4803 @@
 </p:sld>
 </file>
 
+<file path=ppt/slides/slide10.xml><?xml version="1.0" encoding="utf-8"?>
+<p:sld xmlns:a="http://schemas.openxmlformats.org/drawingml/2006/main" xmlns:r="http://schemas.openxmlformats.org/officeDocument/2006/relationships" xmlns:p="http://schemas.openxmlformats.org/presentationml/2006/main">
+  <p:cSld>
+    <p:spTree>
+      <p:nvGrpSpPr>
+        <p:cNvPr id="1" name=""/>
+        <p:cNvGrpSpPr/>
+        <p:nvPr/>
+      </p:nvGrpSpPr>
+      <p:grpSpPr>
+        <a:xfrm>
+          <a:off x="0" y="0"/>
+          <a:ext cx="0" cy="0"/>
+          <a:chOff x="0" y="0"/>
+          <a:chExt cx="0" cy="0"/>
+        </a:xfrm>
+      </p:grpSpPr>
+      <p:sp>
+        <p:nvSpPr>
+          <p:cNvPr id="2" name="Title 1"/>
+          <p:cNvSpPr>
+            <a:spLocks noGrp="1"/>
+          </p:cNvSpPr>
+          <p:nvPr>
+            <p:ph type="title"/>
+          </p:nvPr>
+        </p:nvSpPr>
+        <p:spPr/>
+        <p:txBody>
+          <a:bodyPr/>
+          <a:lstStyle/>
+          <a:p>
+            <a:r>
+              <a:rPr lang="en-US" dirty="0" smtClean="0"/>
+              <a:t>Enter</a:t>
+            </a:r>
+            <a:endParaRPr lang="en-US" dirty="0"/>
+          </a:p>
+        </p:txBody>
+      </p:sp>
+      <p:graphicFrame>
+        <p:nvGraphicFramePr>
+          <p:cNvPr id="4" name="Content Placeholder 3"/>
+          <p:cNvGraphicFramePr>
+            <a:graphicFrameLocks noGrp="1"/>
+          </p:cNvGraphicFramePr>
+          <p:nvPr>
+            <p:ph idx="1"/>
+            <p:extLst>
+              <p:ext uri="{D42A27DB-BD31-4B8C-83A1-F6EECF244321}">
+                <p14:modId xmlns:p14="http://schemas.microsoft.com/office/powerpoint/2010/main" val="948721626"/>
+              </p:ext>
+            </p:extLst>
+          </p:nvPr>
+        </p:nvGraphicFramePr>
+        <p:xfrm>
+          <a:off x="6420852" y="2164347"/>
+          <a:ext cx="1925054" cy="1842835"/>
+        </p:xfrm>
+        <a:graphic>
+          <a:graphicData uri="http://schemas.openxmlformats.org/drawingml/2006/table">
+            <a:tbl>
+              <a:tblPr firstRow="1" bandRow="1">
+                <a:tableStyleId>{5940675A-B579-460E-94D1-54222C63F5DA}</a:tableStyleId>
+              </a:tblPr>
+              <a:tblGrid>
+                <a:gridCol w="1925054"/>
+              </a:tblGrid>
+              <a:tr h="368567">
+                <a:tc>
+                  <a:txBody>
+                    <a:bodyPr/>
+                    <a:lstStyle/>
+                    <a:p>
+                      <a:pPr algn="ctr"/>
+                      <a:r>
+                        <a:rPr lang="en-US" dirty="0" smtClean="0"/>
+                        <a:t>5</a:t>
+                      </a:r>
+                      <a:endParaRPr lang="en-US" dirty="0"/>
+                    </a:p>
+                  </a:txBody>
+                  <a:tcPr/>
+                </a:tc>
+              </a:tr>
+              <a:tr h="368567">
+                <a:tc>
+                  <a:txBody>
+                    <a:bodyPr/>
+                    <a:lstStyle/>
+                    <a:p>
+                      <a:pPr algn="ctr"/>
+                      <a:r>
+                        <a:rPr lang="en-US" dirty="0" smtClean="0"/>
+                        <a:t>10</a:t>
+                      </a:r>
+                      <a:endParaRPr lang="en-US" dirty="0"/>
+                    </a:p>
+                  </a:txBody>
+                  <a:tcPr/>
+                </a:tc>
+              </a:tr>
+              <a:tr h="368567">
+                <a:tc>
+                  <a:txBody>
+                    <a:bodyPr/>
+                    <a:lstStyle/>
+                    <a:p>
+                      <a:pPr algn="ctr"/>
+                      <a:r>
+                        <a:rPr lang="en-US" dirty="0" smtClean="0"/>
+                        <a:t>15</a:t>
+                      </a:r>
+                      <a:endParaRPr lang="en-US" dirty="0"/>
+                    </a:p>
+                  </a:txBody>
+                  <a:tcPr/>
+                </a:tc>
+              </a:tr>
+              <a:tr h="368567">
+                <a:tc>
+                  <a:txBody>
+                    <a:bodyPr/>
+                    <a:lstStyle/>
+                    <a:p>
+                      <a:pPr algn="ctr"/>
+                      <a:r>
+                        <a:rPr lang="en-US" dirty="0" smtClean="0"/>
+                        <a:t>20</a:t>
+                      </a:r>
+                      <a:endParaRPr lang="en-US" dirty="0"/>
+                    </a:p>
+                  </a:txBody>
+                  <a:tcPr/>
+                </a:tc>
+              </a:tr>
+              <a:tr h="368567">
+                <a:tc>
+                  <a:txBody>
+                    <a:bodyPr/>
+                    <a:lstStyle/>
+                    <a:p>
+                      <a:pPr algn="ctr"/>
+                      <a:r>
+                        <a:rPr lang="en-US" dirty="0" smtClean="0"/>
+                        <a:t>25</a:t>
+                      </a:r>
+                      <a:endParaRPr lang="en-US" dirty="0"/>
+                    </a:p>
+                  </a:txBody>
+                  <a:tcPr/>
+                </a:tc>
+              </a:tr>
+            </a:tbl>
+          </a:graphicData>
+        </a:graphic>
+      </p:graphicFrame>
+      <p:graphicFrame>
+        <p:nvGraphicFramePr>
+          <p:cNvPr id="5" name="Content Placeholder 3"/>
+          <p:cNvGraphicFramePr>
+            <a:graphicFrameLocks/>
+          </p:cNvGraphicFramePr>
+          <p:nvPr>
+            <p:extLst>
+              <p:ext uri="{D42A27DB-BD31-4B8C-83A1-F6EECF244321}">
+                <p14:modId xmlns:p14="http://schemas.microsoft.com/office/powerpoint/2010/main" val="268207034"/>
+              </p:ext>
+            </p:extLst>
+          </p:nvPr>
+        </p:nvGraphicFramePr>
+        <p:xfrm>
+          <a:off x="1640306" y="2152984"/>
+          <a:ext cx="3108158" cy="1854200"/>
+        </p:xfrm>
+        <a:graphic>
+          <a:graphicData uri="http://schemas.openxmlformats.org/drawingml/2006/table">
+            <a:tbl>
+              <a:tblPr firstRow="1" bandRow="1">
+                <a:tableStyleId>{5940675A-B579-460E-94D1-54222C63F5DA}</a:tableStyleId>
+              </a:tblPr>
+              <a:tblGrid>
+                <a:gridCol w="3108158"/>
+              </a:tblGrid>
+              <a:tr h="370840">
+                <a:tc>
+                  <a:txBody>
+                    <a:bodyPr/>
+                    <a:lstStyle/>
+                    <a:p>
+                      <a:endParaRPr lang="en-US" dirty="0"/>
+                    </a:p>
+                  </a:txBody>
+                  <a:tcPr>
+                    <a:lnL w="12700" cap="flat" cmpd="sng" algn="ctr">
+                      <a:solidFill>
+                        <a:schemeClr val="tx1"/>
+                      </a:solidFill>
+                      <a:prstDash val="solid"/>
+                      <a:round/>
+                      <a:headEnd type="none" w="med" len="med"/>
+                      <a:tailEnd type="none" w="med" len="med"/>
+                    </a:lnL>
+                    <a:lnR w="12700" cap="flat" cmpd="sng" algn="ctr">
+                      <a:solidFill>
+                        <a:schemeClr val="tx1"/>
+                      </a:solidFill>
+                      <a:prstDash val="solid"/>
+                      <a:round/>
+                      <a:headEnd type="none" w="med" len="med"/>
+                      <a:tailEnd type="none" w="med" len="med"/>
+                    </a:lnR>
+                    <a:lnT w="12700" cap="flat" cmpd="sng" algn="ctr">
+                      <a:solidFill>
+                        <a:schemeClr val="tx1"/>
+                      </a:solidFill>
+                      <a:prstDash val="solid"/>
+                      <a:round/>
+                      <a:headEnd type="none" w="med" len="med"/>
+                      <a:tailEnd type="none" w="med" len="med"/>
+                    </a:lnT>
+                    <a:lnB w="12700" cap="flat" cmpd="sng" algn="ctr">
+                      <a:noFill/>
+                      <a:prstDash val="solid"/>
+                      <a:round/>
+                      <a:headEnd type="none" w="med" len="med"/>
+                      <a:tailEnd type="none" w="med" len="med"/>
+                    </a:lnB>
+                    <a:lnTlToBr w="12700" cmpd="sng">
+                      <a:noFill/>
+                      <a:prstDash val="solid"/>
+                    </a:lnTlToBr>
+                    <a:lnBlToTr w="12700" cmpd="sng">
+                      <a:noFill/>
+                      <a:prstDash val="solid"/>
+                    </a:lnBlToTr>
+                  </a:tcPr>
+                </a:tc>
+              </a:tr>
+              <a:tr h="370840">
+                <a:tc>
+                  <a:txBody>
+                    <a:bodyPr/>
+                    <a:lstStyle/>
+                    <a:p>
+                      <a:endParaRPr lang="en-US" dirty="0"/>
+                    </a:p>
+                  </a:txBody>
+                  <a:tcPr>
+                    <a:lnL w="12700" cap="flat" cmpd="sng" algn="ctr">
+                      <a:solidFill>
+                        <a:schemeClr val="tx1"/>
+                      </a:solidFill>
+                      <a:prstDash val="solid"/>
+                      <a:round/>
+                      <a:headEnd type="none" w="med" len="med"/>
+                      <a:tailEnd type="none" w="med" len="med"/>
+                    </a:lnL>
+                    <a:lnR w="12700" cap="flat" cmpd="sng" algn="ctr">
+                      <a:solidFill>
+                        <a:schemeClr val="tx1"/>
+                      </a:solidFill>
+                      <a:prstDash val="solid"/>
+                      <a:round/>
+                      <a:headEnd type="none" w="med" len="med"/>
+                      <a:tailEnd type="none" w="med" len="med"/>
+                    </a:lnR>
+                    <a:lnT w="12700" cap="flat" cmpd="sng" algn="ctr">
+                      <a:noFill/>
+                      <a:prstDash val="solid"/>
+                      <a:round/>
+                      <a:headEnd type="none" w="med" len="med"/>
+                      <a:tailEnd type="none" w="med" len="med"/>
+                    </a:lnT>
+                    <a:lnB w="12700" cap="flat" cmpd="sng" algn="ctr">
+                      <a:noFill/>
+                      <a:prstDash val="solid"/>
+                      <a:round/>
+                      <a:headEnd type="none" w="med" len="med"/>
+                      <a:tailEnd type="none" w="med" len="med"/>
+                    </a:lnB>
+                    <a:lnTlToBr w="12700" cmpd="sng">
+                      <a:noFill/>
+                      <a:prstDash val="solid"/>
+                    </a:lnTlToBr>
+                    <a:lnBlToTr w="12700" cmpd="sng">
+                      <a:noFill/>
+                      <a:prstDash val="solid"/>
+                    </a:lnBlToTr>
+                  </a:tcPr>
+                </a:tc>
+              </a:tr>
+              <a:tr h="370840">
+                <a:tc>
+                  <a:txBody>
+                    <a:bodyPr/>
+                    <a:lstStyle/>
+                    <a:p>
+                      <a:endParaRPr lang="en-US"/>
+                    </a:p>
+                  </a:txBody>
+                  <a:tcPr>
+                    <a:lnL w="12700" cap="flat" cmpd="sng" algn="ctr">
+                      <a:solidFill>
+                        <a:schemeClr val="tx1"/>
+                      </a:solidFill>
+                      <a:prstDash val="solid"/>
+                      <a:round/>
+                      <a:headEnd type="none" w="med" len="med"/>
+                      <a:tailEnd type="none" w="med" len="med"/>
+                    </a:lnL>
+                    <a:lnR w="12700" cap="flat" cmpd="sng" algn="ctr">
+                      <a:solidFill>
+                        <a:schemeClr val="tx1"/>
+                      </a:solidFill>
+                      <a:prstDash val="solid"/>
+                      <a:round/>
+                      <a:headEnd type="none" w="med" len="med"/>
+                      <a:tailEnd type="none" w="med" len="med"/>
+                    </a:lnR>
+                    <a:lnT w="12700" cap="flat" cmpd="sng" algn="ctr">
+                      <a:noFill/>
+                      <a:prstDash val="solid"/>
+                      <a:round/>
+                      <a:headEnd type="none" w="med" len="med"/>
+                      <a:tailEnd type="none" w="med" len="med"/>
+                    </a:lnT>
+                    <a:lnB w="12700" cap="flat" cmpd="sng" algn="ctr">
+                      <a:noFill/>
+                      <a:prstDash val="solid"/>
+                      <a:round/>
+                      <a:headEnd type="none" w="med" len="med"/>
+                      <a:tailEnd type="none" w="med" len="med"/>
+                    </a:lnB>
+                    <a:lnTlToBr w="12700" cmpd="sng">
+                      <a:noFill/>
+                      <a:prstDash val="solid"/>
+                    </a:lnTlToBr>
+                    <a:lnBlToTr w="12700" cmpd="sng">
+                      <a:noFill/>
+                      <a:prstDash val="solid"/>
+                    </a:lnBlToTr>
+                  </a:tcPr>
+                </a:tc>
+              </a:tr>
+              <a:tr h="370840">
+                <a:tc>
+                  <a:txBody>
+                    <a:bodyPr/>
+                    <a:lstStyle/>
+                    <a:p>
+                      <a:endParaRPr lang="en-US"/>
+                    </a:p>
+                  </a:txBody>
+                  <a:tcPr>
+                    <a:lnL w="12700" cap="flat" cmpd="sng" algn="ctr">
+                      <a:solidFill>
+                        <a:schemeClr val="tx1"/>
+                      </a:solidFill>
+                      <a:prstDash val="solid"/>
+                      <a:round/>
+                      <a:headEnd type="none" w="med" len="med"/>
+                      <a:tailEnd type="none" w="med" len="med"/>
+                    </a:lnL>
+                    <a:lnR w="12700" cap="flat" cmpd="sng" algn="ctr">
+                      <a:solidFill>
+                        <a:schemeClr val="tx1"/>
+                      </a:solidFill>
+                      <a:prstDash val="solid"/>
+                      <a:round/>
+                      <a:headEnd type="none" w="med" len="med"/>
+                      <a:tailEnd type="none" w="med" len="med"/>
+                    </a:lnR>
+                    <a:lnT w="12700" cap="flat" cmpd="sng" algn="ctr">
+                      <a:noFill/>
+                      <a:prstDash val="solid"/>
+                      <a:round/>
+                      <a:headEnd type="none" w="med" len="med"/>
+                      <a:tailEnd type="none" w="med" len="med"/>
+                    </a:lnT>
+                    <a:lnB w="12700" cap="flat" cmpd="sng" algn="ctr">
+                      <a:noFill/>
+                      <a:prstDash val="solid"/>
+                      <a:round/>
+                      <a:headEnd type="none" w="med" len="med"/>
+                      <a:tailEnd type="none" w="med" len="med"/>
+                    </a:lnB>
+                    <a:lnTlToBr w="12700" cmpd="sng">
+                      <a:noFill/>
+                      <a:prstDash val="solid"/>
+                    </a:lnTlToBr>
+                    <a:lnBlToTr w="12700" cmpd="sng">
+                      <a:noFill/>
+                      <a:prstDash val="solid"/>
+                    </a:lnBlToTr>
+                  </a:tcPr>
+                </a:tc>
+              </a:tr>
+              <a:tr h="370840">
+                <a:tc>
+                  <a:txBody>
+                    <a:bodyPr/>
+                    <a:lstStyle/>
+                    <a:p>
+                      <a:endParaRPr lang="en-US" dirty="0"/>
+                    </a:p>
+                  </a:txBody>
+                  <a:tcPr>
+                    <a:lnL w="12700" cap="flat" cmpd="sng" algn="ctr">
+                      <a:solidFill>
+                        <a:schemeClr val="tx1"/>
+                      </a:solidFill>
+                      <a:prstDash val="solid"/>
+                      <a:round/>
+                      <a:headEnd type="none" w="med" len="med"/>
+                      <a:tailEnd type="none" w="med" len="med"/>
+                    </a:lnL>
+                    <a:lnR w="12700" cap="flat" cmpd="sng" algn="ctr">
+                      <a:solidFill>
+                        <a:schemeClr val="tx1"/>
+                      </a:solidFill>
+                      <a:prstDash val="solid"/>
+                      <a:round/>
+                      <a:headEnd type="none" w="med" len="med"/>
+                      <a:tailEnd type="none" w="med" len="med"/>
+                    </a:lnR>
+                    <a:lnT w="12700" cap="flat" cmpd="sng" algn="ctr">
+                      <a:noFill/>
+                      <a:prstDash val="solid"/>
+                      <a:round/>
+                      <a:headEnd type="none" w="med" len="med"/>
+                      <a:tailEnd type="none" w="med" len="med"/>
+                    </a:lnT>
+                    <a:lnB w="12700" cap="flat" cmpd="sng" algn="ctr">
+                      <a:solidFill>
+                        <a:schemeClr val="tx1"/>
+                      </a:solidFill>
+                      <a:prstDash val="solid"/>
+                      <a:round/>
+                      <a:headEnd type="none" w="med" len="med"/>
+                      <a:tailEnd type="none" w="med" len="med"/>
+                    </a:lnB>
+                    <a:lnTlToBr w="12700" cmpd="sng">
+                      <a:noFill/>
+                      <a:prstDash val="solid"/>
+                    </a:lnTlToBr>
+                    <a:lnBlToTr w="12700" cmpd="sng">
+                      <a:noFill/>
+                      <a:prstDash val="solid"/>
+                    </a:lnBlToTr>
+                  </a:tcPr>
+                </a:tc>
+              </a:tr>
+            </a:tbl>
+          </a:graphicData>
+        </a:graphic>
+      </p:graphicFrame>
+      <p:sp>
+        <p:nvSpPr>
+          <p:cNvPr id="6" name="TextBox 5"/>
+          <p:cNvSpPr txBox="1"/>
+          <p:nvPr/>
+        </p:nvSpPr>
+        <p:spPr>
+          <a:xfrm>
+            <a:off x="256673" y="2895418"/>
+            <a:ext cx="581527" cy="369332"/>
+          </a:xfrm>
+          <a:prstGeom prst="rect">
+            <a:avLst/>
+          </a:prstGeom>
+          <a:noFill/>
+        </p:spPr>
+        <p:txBody>
+          <a:bodyPr wrap="square" rtlCol="0">
+            <a:spAutoFit/>
+          </a:bodyPr>
+          <a:lstStyle/>
+          <a:p>
+            <a:r>
+              <a:rPr lang="en-US" dirty="0" smtClean="0"/>
+              <a:t>SVG</a:t>
+            </a:r>
+            <a:endParaRPr lang="en-US" dirty="0"/>
+          </a:p>
+        </p:txBody>
+      </p:sp>
+      <p:cxnSp>
+        <p:nvCxnSpPr>
+          <p:cNvPr id="8" name="Straight Arrow Connector 7"/>
+          <p:cNvCxnSpPr>
+            <a:stCxn id="6" idx="3"/>
+            <a:endCxn id="5" idx="1"/>
+          </p:cNvCxnSpPr>
+          <p:nvPr/>
+        </p:nvCxnSpPr>
+        <p:spPr>
+          <a:xfrm>
+            <a:off x="838200" y="3080084"/>
+            <a:ext cx="802106" cy="0"/>
+          </a:xfrm>
+          <a:prstGeom prst="straightConnector1">
+            <a:avLst/>
+          </a:prstGeom>
+          <a:ln>
+            <a:tailEnd type="triangle"/>
+          </a:ln>
+        </p:spPr>
+        <p:style>
+          <a:lnRef idx="1">
+            <a:schemeClr val="accent1"/>
+          </a:lnRef>
+          <a:fillRef idx="0">
+            <a:schemeClr val="accent1"/>
+          </a:fillRef>
+          <a:effectRef idx="0">
+            <a:schemeClr val="accent1"/>
+          </a:effectRef>
+          <a:fontRef idx="minor">
+            <a:schemeClr val="tx1"/>
+          </a:fontRef>
+        </p:style>
+      </p:cxnSp>
+      <p:sp>
+        <p:nvSpPr>
+          <p:cNvPr id="9" name="TextBox 8"/>
+          <p:cNvSpPr txBox="1"/>
+          <p:nvPr/>
+        </p:nvSpPr>
+        <p:spPr>
+          <a:xfrm>
+            <a:off x="2225842" y="4259179"/>
+            <a:ext cx="1780674" cy="369332"/>
+          </a:xfrm>
+          <a:prstGeom prst="rect">
+            <a:avLst/>
+          </a:prstGeom>
+          <a:noFill/>
+        </p:spPr>
+        <p:txBody>
+          <a:bodyPr wrap="square" rtlCol="0">
+            <a:spAutoFit/>
+          </a:bodyPr>
+          <a:lstStyle/>
+          <a:p>
+            <a:r>
+              <a:rPr lang="en-US" dirty="0" smtClean="0"/>
+              <a:t>Empty Container</a:t>
+            </a:r>
+            <a:endParaRPr lang="en-US" dirty="0"/>
+          </a:p>
+        </p:txBody>
+      </p:sp>
+      <p:sp>
+        <p:nvSpPr>
+          <p:cNvPr id="10" name="TextBox 9"/>
+          <p:cNvSpPr txBox="1"/>
+          <p:nvPr/>
+        </p:nvSpPr>
+        <p:spPr>
+          <a:xfrm>
+            <a:off x="5237748" y="2895418"/>
+            <a:ext cx="693820" cy="369332"/>
+          </a:xfrm>
+          <a:prstGeom prst="rect">
+            <a:avLst/>
+          </a:prstGeom>
+          <a:noFill/>
+        </p:spPr>
+        <p:txBody>
+          <a:bodyPr wrap="square" rtlCol="0">
+            <a:spAutoFit/>
+          </a:bodyPr>
+          <a:lstStyle/>
+          <a:p>
+            <a:r>
+              <a:rPr lang="en-US" dirty="0" smtClean="0"/>
+              <a:t>Data</a:t>
+            </a:r>
+            <a:endParaRPr lang="en-US" dirty="0"/>
+          </a:p>
+        </p:txBody>
+      </p:sp>
+      <p:cxnSp>
+        <p:nvCxnSpPr>
+          <p:cNvPr id="11" name="Straight Arrow Connector 10"/>
+          <p:cNvCxnSpPr>
+            <a:stCxn id="5" idx="3"/>
+            <a:endCxn id="10" idx="1"/>
+          </p:cNvCxnSpPr>
+          <p:nvPr/>
+        </p:nvCxnSpPr>
+        <p:spPr>
+          <a:xfrm>
+            <a:off x="4748464" y="3080084"/>
+            <a:ext cx="489284" cy="0"/>
+          </a:xfrm>
+          <a:prstGeom prst="straightConnector1">
+            <a:avLst/>
+          </a:prstGeom>
+          <a:ln>
+            <a:tailEnd type="triangle"/>
+          </a:ln>
+        </p:spPr>
+        <p:style>
+          <a:lnRef idx="1">
+            <a:schemeClr val="accent1"/>
+          </a:lnRef>
+          <a:fillRef idx="0">
+            <a:schemeClr val="accent1"/>
+          </a:fillRef>
+          <a:effectRef idx="0">
+            <a:schemeClr val="accent1"/>
+          </a:effectRef>
+          <a:fontRef idx="minor">
+            <a:schemeClr val="tx1"/>
+          </a:fontRef>
+        </p:style>
+      </p:cxnSp>
+      <p:cxnSp>
+        <p:nvCxnSpPr>
+          <p:cNvPr id="13" name="Straight Arrow Connector 12"/>
+          <p:cNvCxnSpPr>
+            <a:stCxn id="10" idx="3"/>
+          </p:cNvCxnSpPr>
+          <p:nvPr/>
+        </p:nvCxnSpPr>
+        <p:spPr>
+          <a:xfrm>
+            <a:off x="5931568" y="3080084"/>
+            <a:ext cx="376991" cy="0"/>
+          </a:xfrm>
+          <a:prstGeom prst="straightConnector1">
+            <a:avLst/>
+          </a:prstGeom>
+          <a:ln>
+            <a:tailEnd type="triangle"/>
+          </a:ln>
+        </p:spPr>
+        <p:style>
+          <a:lnRef idx="1">
+            <a:schemeClr val="accent1"/>
+          </a:lnRef>
+          <a:fillRef idx="0">
+            <a:schemeClr val="accent1"/>
+          </a:fillRef>
+          <a:effectRef idx="0">
+            <a:schemeClr val="accent1"/>
+          </a:effectRef>
+          <a:fontRef idx="minor">
+            <a:schemeClr val="tx1"/>
+          </a:fontRef>
+        </p:style>
+      </p:cxnSp>
+      <p:graphicFrame>
+        <p:nvGraphicFramePr>
+          <p:cNvPr id="18" name="Content Placeholder 3"/>
+          <p:cNvGraphicFramePr>
+            <a:graphicFrameLocks/>
+          </p:cNvGraphicFramePr>
+          <p:nvPr>
+            <p:extLst>
+              <p:ext uri="{D42A27DB-BD31-4B8C-83A1-F6EECF244321}">
+                <p14:modId xmlns:p14="http://schemas.microsoft.com/office/powerpoint/2010/main" val="1532121762"/>
+              </p:ext>
+            </p:extLst>
+          </p:nvPr>
+        </p:nvGraphicFramePr>
+        <p:xfrm>
+          <a:off x="9837821" y="2164347"/>
+          <a:ext cx="1925054" cy="1842835"/>
+        </p:xfrm>
+        <a:graphic>
+          <a:graphicData uri="http://schemas.openxmlformats.org/drawingml/2006/table">
+            <a:tbl>
+              <a:tblPr firstRow="1" bandRow="1">
+                <a:tableStyleId>{5940675A-B579-460E-94D1-54222C63F5DA}</a:tableStyleId>
+              </a:tblPr>
+              <a:tblGrid>
+                <a:gridCol w="1925054"/>
+              </a:tblGrid>
+              <a:tr h="368567">
+                <a:tc>
+                  <a:txBody>
+                    <a:bodyPr/>
+                    <a:lstStyle/>
+                    <a:p>
+                      <a:r>
+                        <a:rPr lang="en-US" dirty="0" smtClean="0"/>
+                        <a:t>&lt;text&gt;</a:t>
+                      </a:r>
+                      <a:endParaRPr lang="en-US" dirty="0"/>
+                    </a:p>
+                  </a:txBody>
+                  <a:tcPr/>
+                </a:tc>
+              </a:tr>
+              <a:tr h="368567">
+                <a:tc>
+                  <a:txBody>
+                    <a:bodyPr/>
+                    <a:lstStyle/>
+                    <a:p>
+                      <a:pPr marL="0" marR="0" indent="0" algn="l" defTabSz="914400" rtl="0" eaLnBrk="1" fontAlgn="auto" latinLnBrk="0" hangingPunct="1">
+                        <a:lnSpc>
+                          <a:spcPct val="100000"/>
+                        </a:lnSpc>
+                        <a:spcBef>
+                          <a:spcPts val="0"/>
+                        </a:spcBef>
+                        <a:spcAft>
+                          <a:spcPts val="0"/>
+                        </a:spcAft>
+                        <a:buClrTx/>
+                        <a:buSzTx/>
+                        <a:buFontTx/>
+                        <a:buNone/>
+                        <a:tabLst/>
+                        <a:defRPr/>
+                      </a:pPr>
+                      <a:r>
+                        <a:rPr lang="en-US" dirty="0" smtClean="0"/>
+                        <a:t>&lt;text&gt;</a:t>
+                      </a:r>
+                    </a:p>
+                  </a:txBody>
+                  <a:tcPr/>
+                </a:tc>
+              </a:tr>
+              <a:tr h="368567">
+                <a:tc>
+                  <a:txBody>
+                    <a:bodyPr/>
+                    <a:lstStyle/>
+                    <a:p>
+                      <a:pPr marL="0" marR="0" indent="0" algn="l" defTabSz="914400" rtl="0" eaLnBrk="1" fontAlgn="auto" latinLnBrk="0" hangingPunct="1">
+                        <a:lnSpc>
+                          <a:spcPct val="100000"/>
+                        </a:lnSpc>
+                        <a:spcBef>
+                          <a:spcPts val="0"/>
+                        </a:spcBef>
+                        <a:spcAft>
+                          <a:spcPts val="0"/>
+                        </a:spcAft>
+                        <a:buClrTx/>
+                        <a:buSzTx/>
+                        <a:buFontTx/>
+                        <a:buNone/>
+                        <a:tabLst/>
+                        <a:defRPr/>
+                      </a:pPr>
+                      <a:r>
+                        <a:rPr lang="en-US" dirty="0" smtClean="0"/>
+                        <a:t>&lt;text&gt;</a:t>
+                      </a:r>
+                    </a:p>
+                  </a:txBody>
+                  <a:tcPr/>
+                </a:tc>
+              </a:tr>
+              <a:tr h="368567">
+                <a:tc>
+                  <a:txBody>
+                    <a:bodyPr/>
+                    <a:lstStyle/>
+                    <a:p>
+                      <a:pPr marL="0" marR="0" indent="0" algn="l" defTabSz="914400" rtl="0" eaLnBrk="1" fontAlgn="auto" latinLnBrk="0" hangingPunct="1">
+                        <a:lnSpc>
+                          <a:spcPct val="100000"/>
+                        </a:lnSpc>
+                        <a:spcBef>
+                          <a:spcPts val="0"/>
+                        </a:spcBef>
+                        <a:spcAft>
+                          <a:spcPts val="0"/>
+                        </a:spcAft>
+                        <a:buClrTx/>
+                        <a:buSzTx/>
+                        <a:buFontTx/>
+                        <a:buNone/>
+                        <a:tabLst/>
+                        <a:defRPr/>
+                      </a:pPr>
+                      <a:r>
+                        <a:rPr lang="en-US" dirty="0" smtClean="0"/>
+                        <a:t>&lt;text&gt;</a:t>
+                      </a:r>
+                    </a:p>
+                  </a:txBody>
+                  <a:tcPr/>
+                </a:tc>
+              </a:tr>
+              <a:tr h="368567">
+                <a:tc>
+                  <a:txBody>
+                    <a:bodyPr/>
+                    <a:lstStyle/>
+                    <a:p>
+                      <a:pPr marL="0" marR="0" indent="0" algn="l" defTabSz="914400" rtl="0" eaLnBrk="1" fontAlgn="auto" latinLnBrk="0" hangingPunct="1">
+                        <a:lnSpc>
+                          <a:spcPct val="100000"/>
+                        </a:lnSpc>
+                        <a:spcBef>
+                          <a:spcPts val="0"/>
+                        </a:spcBef>
+                        <a:spcAft>
+                          <a:spcPts val="0"/>
+                        </a:spcAft>
+                        <a:buClrTx/>
+                        <a:buSzTx/>
+                        <a:buFontTx/>
+                        <a:buNone/>
+                        <a:tabLst/>
+                        <a:defRPr/>
+                      </a:pPr>
+                      <a:r>
+                        <a:rPr lang="en-US" dirty="0" smtClean="0"/>
+                        <a:t>&lt;text&gt;</a:t>
+                      </a:r>
+                    </a:p>
+                  </a:txBody>
+                  <a:tcPr/>
+                </a:tc>
+              </a:tr>
+            </a:tbl>
+          </a:graphicData>
+        </a:graphic>
+      </p:graphicFrame>
+      <p:sp>
+        <p:nvSpPr>
+          <p:cNvPr id="19" name="TextBox 18"/>
+          <p:cNvSpPr txBox="1"/>
+          <p:nvPr/>
+        </p:nvSpPr>
+        <p:spPr>
+          <a:xfrm>
+            <a:off x="8827169" y="2895418"/>
+            <a:ext cx="693820" cy="369332"/>
+          </a:xfrm>
+          <a:prstGeom prst="rect">
+            <a:avLst/>
+          </a:prstGeom>
+          <a:noFill/>
+        </p:spPr>
+        <p:txBody>
+          <a:bodyPr wrap="square" rtlCol="0">
+            <a:spAutoFit/>
+          </a:bodyPr>
+          <a:lstStyle/>
+          <a:p>
+            <a:r>
+              <a:rPr lang="en-US" dirty="0" smtClean="0"/>
+              <a:t>enter</a:t>
+            </a:r>
+            <a:endParaRPr lang="en-US" dirty="0"/>
+          </a:p>
+        </p:txBody>
+      </p:sp>
+      <p:cxnSp>
+        <p:nvCxnSpPr>
+          <p:cNvPr id="20" name="Straight Arrow Connector 19"/>
+          <p:cNvCxnSpPr/>
+          <p:nvPr/>
+        </p:nvCxnSpPr>
+        <p:spPr>
+          <a:xfrm>
+            <a:off x="8345906" y="3092115"/>
+            <a:ext cx="489284" cy="0"/>
+          </a:xfrm>
+          <a:prstGeom prst="straightConnector1">
+            <a:avLst/>
+          </a:prstGeom>
+          <a:ln>
+            <a:tailEnd type="triangle"/>
+          </a:ln>
+        </p:spPr>
+        <p:style>
+          <a:lnRef idx="1">
+            <a:schemeClr val="accent1"/>
+          </a:lnRef>
+          <a:fillRef idx="0">
+            <a:schemeClr val="accent1"/>
+          </a:fillRef>
+          <a:effectRef idx="0">
+            <a:schemeClr val="accent1"/>
+          </a:effectRef>
+          <a:fontRef idx="minor">
+            <a:schemeClr val="tx1"/>
+          </a:fontRef>
+        </p:style>
+      </p:cxnSp>
+      <p:cxnSp>
+        <p:nvCxnSpPr>
+          <p:cNvPr id="21" name="Straight Arrow Connector 20"/>
+          <p:cNvCxnSpPr/>
+          <p:nvPr/>
+        </p:nvCxnSpPr>
+        <p:spPr>
+          <a:xfrm>
+            <a:off x="9460830" y="3092115"/>
+            <a:ext cx="376991" cy="0"/>
+          </a:xfrm>
+          <a:prstGeom prst="straightConnector1">
+            <a:avLst/>
+          </a:prstGeom>
+          <a:ln>
+            <a:tailEnd type="triangle"/>
+          </a:ln>
+        </p:spPr>
+        <p:style>
+          <a:lnRef idx="1">
+            <a:schemeClr val="accent1"/>
+          </a:lnRef>
+          <a:fillRef idx="0">
+            <a:schemeClr val="accent1"/>
+          </a:fillRef>
+          <a:effectRef idx="0">
+            <a:schemeClr val="accent1"/>
+          </a:effectRef>
+          <a:fontRef idx="minor">
+            <a:schemeClr val="tx1"/>
+          </a:fontRef>
+        </p:style>
+      </p:cxnSp>
+    </p:spTree>
+    <p:extLst>
+      <p:ext uri="{BB962C8B-B14F-4D97-AF65-F5344CB8AC3E}">
+        <p14:creationId xmlns:p14="http://schemas.microsoft.com/office/powerpoint/2010/main" val="579924916"/>
+      </p:ext>
+    </p:extLst>
+  </p:cSld>
+  <p:clrMapOvr>
+    <a:masterClrMapping/>
+  </p:clrMapOvr>
+</p:sld>
+</file>
+
+<file path=ppt/slides/slide11.xml><?xml version="1.0" encoding="utf-8"?>
+<p:sld xmlns:a="http://schemas.openxmlformats.org/drawingml/2006/main" xmlns:r="http://schemas.openxmlformats.org/officeDocument/2006/relationships" xmlns:p="http://schemas.openxmlformats.org/presentationml/2006/main">
+  <p:cSld>
+    <p:spTree>
+      <p:nvGrpSpPr>
+        <p:cNvPr id="1" name=""/>
+        <p:cNvGrpSpPr/>
+        <p:nvPr/>
+      </p:nvGrpSpPr>
+      <p:grpSpPr>
+        <a:xfrm>
+          <a:off x="0" y="0"/>
+          <a:ext cx="0" cy="0"/>
+          <a:chOff x="0" y="0"/>
+          <a:chExt cx="0" cy="0"/>
+        </a:xfrm>
+      </p:grpSpPr>
+      <p:sp>
+        <p:nvSpPr>
+          <p:cNvPr id="2" name="Title 1"/>
+          <p:cNvSpPr>
+            <a:spLocks noGrp="1"/>
+          </p:cNvSpPr>
+          <p:nvPr>
+            <p:ph type="title"/>
+          </p:nvPr>
+        </p:nvSpPr>
+        <p:spPr>
+          <a:xfrm>
+            <a:off x="396541" y="69431"/>
+            <a:ext cx="10515600" cy="1325563"/>
+          </a:xfrm>
+        </p:spPr>
+        <p:txBody>
+          <a:bodyPr/>
+          <a:lstStyle/>
+          <a:p>
+            <a:r>
+              <a:rPr lang="en-US" dirty="0" smtClean="0"/>
+              <a:t>Enter, Merge</a:t>
+            </a:r>
+            <a:endParaRPr lang="en-US" dirty="0"/>
+          </a:p>
+        </p:txBody>
+      </p:sp>
+      <p:graphicFrame>
+        <p:nvGraphicFramePr>
+          <p:cNvPr id="4" name="Content Placeholder 3"/>
+          <p:cNvGraphicFramePr>
+            <a:graphicFrameLocks noGrp="1"/>
+          </p:cNvGraphicFramePr>
+          <p:nvPr>
+            <p:ph idx="1"/>
+            <p:extLst>
+              <p:ext uri="{D42A27DB-BD31-4B8C-83A1-F6EECF244321}">
+                <p14:modId xmlns:p14="http://schemas.microsoft.com/office/powerpoint/2010/main" val="666834862"/>
+              </p:ext>
+            </p:extLst>
+          </p:nvPr>
+        </p:nvGraphicFramePr>
+        <p:xfrm>
+          <a:off x="5654341" y="1421161"/>
+          <a:ext cx="1254292" cy="2211402"/>
+        </p:xfrm>
+        <a:graphic>
+          <a:graphicData uri="http://schemas.openxmlformats.org/drawingml/2006/table">
+            <a:tbl>
+              <a:tblPr firstRow="1" bandRow="1">
+                <a:tableStyleId>{5940675A-B579-460E-94D1-54222C63F5DA}</a:tableStyleId>
+              </a:tblPr>
+              <a:tblGrid>
+                <a:gridCol w="1254292"/>
+              </a:tblGrid>
+              <a:tr h="368567">
+                <a:tc>
+                  <a:txBody>
+                    <a:bodyPr/>
+                    <a:lstStyle/>
+                    <a:p>
+                      <a:pPr algn="ctr"/>
+                      <a:r>
+                        <a:rPr lang="en-US" dirty="0" smtClean="0"/>
+                        <a:t>6</a:t>
+                      </a:r>
+                      <a:endParaRPr lang="en-US" dirty="0"/>
+                    </a:p>
+                  </a:txBody>
+                  <a:tcPr/>
+                </a:tc>
+              </a:tr>
+              <a:tr h="368567">
+                <a:tc>
+                  <a:txBody>
+                    <a:bodyPr/>
+                    <a:lstStyle/>
+                    <a:p>
+                      <a:pPr algn="ctr"/>
+                      <a:r>
+                        <a:rPr lang="en-US" dirty="0" smtClean="0"/>
+                        <a:t>11</a:t>
+                      </a:r>
+                      <a:endParaRPr lang="en-US" dirty="0"/>
+                    </a:p>
+                  </a:txBody>
+                  <a:tcPr/>
+                </a:tc>
+              </a:tr>
+              <a:tr h="368567">
+                <a:tc>
+                  <a:txBody>
+                    <a:bodyPr/>
+                    <a:lstStyle/>
+                    <a:p>
+                      <a:pPr algn="ctr"/>
+                      <a:r>
+                        <a:rPr lang="en-US" dirty="0" smtClean="0"/>
+                        <a:t>16</a:t>
+                      </a:r>
+                      <a:endParaRPr lang="en-US" dirty="0"/>
+                    </a:p>
+                  </a:txBody>
+                  <a:tcPr/>
+                </a:tc>
+              </a:tr>
+              <a:tr h="368567">
+                <a:tc>
+                  <a:txBody>
+                    <a:bodyPr/>
+                    <a:lstStyle/>
+                    <a:p>
+                      <a:pPr algn="ctr"/>
+                      <a:r>
+                        <a:rPr lang="en-US" dirty="0" smtClean="0"/>
+                        <a:t>21</a:t>
+                      </a:r>
+                      <a:endParaRPr lang="en-US" dirty="0"/>
+                    </a:p>
+                  </a:txBody>
+                  <a:tcPr/>
+                </a:tc>
+              </a:tr>
+              <a:tr h="368567">
+                <a:tc>
+                  <a:txBody>
+                    <a:bodyPr/>
+                    <a:lstStyle/>
+                    <a:p>
+                      <a:pPr algn="ctr"/>
+                      <a:r>
+                        <a:rPr lang="en-US" dirty="0" smtClean="0"/>
+                        <a:t>26</a:t>
+                      </a:r>
+                      <a:endParaRPr lang="en-US" dirty="0"/>
+                    </a:p>
+                  </a:txBody>
+                  <a:tcPr/>
+                </a:tc>
+              </a:tr>
+              <a:tr h="368567">
+                <a:tc>
+                  <a:txBody>
+                    <a:bodyPr/>
+                    <a:lstStyle/>
+                    <a:p>
+                      <a:pPr algn="ctr"/>
+                      <a:r>
+                        <a:rPr lang="en-US" b="1" dirty="0" smtClean="0"/>
+                        <a:t>30</a:t>
+                      </a:r>
+                      <a:endParaRPr lang="en-US" b="1" dirty="0"/>
+                    </a:p>
+                  </a:txBody>
+                  <a:tcPr/>
+                </a:tc>
+              </a:tr>
+            </a:tbl>
+          </a:graphicData>
+        </a:graphic>
+      </p:graphicFrame>
+      <p:sp>
+        <p:nvSpPr>
+          <p:cNvPr id="6" name="TextBox 5"/>
+          <p:cNvSpPr txBox="1"/>
+          <p:nvPr/>
+        </p:nvSpPr>
+        <p:spPr>
+          <a:xfrm>
+            <a:off x="48629" y="2158667"/>
+            <a:ext cx="581527" cy="369332"/>
+          </a:xfrm>
+          <a:prstGeom prst="rect">
+            <a:avLst/>
+          </a:prstGeom>
+          <a:noFill/>
+        </p:spPr>
+        <p:txBody>
+          <a:bodyPr wrap="square" rtlCol="0">
+            <a:spAutoFit/>
+          </a:bodyPr>
+          <a:lstStyle/>
+          <a:p>
+            <a:r>
+              <a:rPr lang="en-US" dirty="0" smtClean="0"/>
+              <a:t>SVG</a:t>
+            </a:r>
+            <a:endParaRPr lang="en-US" dirty="0"/>
+          </a:p>
+        </p:txBody>
+      </p:sp>
+      <p:cxnSp>
+        <p:nvCxnSpPr>
+          <p:cNvPr id="8" name="Straight Arrow Connector 7"/>
+          <p:cNvCxnSpPr/>
+          <p:nvPr/>
+        </p:nvCxnSpPr>
+        <p:spPr>
+          <a:xfrm>
+            <a:off x="630156" y="2342579"/>
+            <a:ext cx="802106" cy="0"/>
+          </a:xfrm>
+          <a:prstGeom prst="straightConnector1">
+            <a:avLst/>
+          </a:prstGeom>
+          <a:ln>
+            <a:tailEnd type="triangle"/>
+          </a:ln>
+        </p:spPr>
+        <p:style>
+          <a:lnRef idx="1">
+            <a:schemeClr val="accent1"/>
+          </a:lnRef>
+          <a:fillRef idx="0">
+            <a:schemeClr val="accent1"/>
+          </a:fillRef>
+          <a:effectRef idx="0">
+            <a:schemeClr val="accent1"/>
+          </a:effectRef>
+          <a:fontRef idx="minor">
+            <a:schemeClr val="tx1"/>
+          </a:fontRef>
+        </p:style>
+      </p:cxnSp>
+      <p:sp>
+        <p:nvSpPr>
+          <p:cNvPr id="9" name="TextBox 8"/>
+          <p:cNvSpPr txBox="1"/>
+          <p:nvPr/>
+        </p:nvSpPr>
+        <p:spPr>
+          <a:xfrm>
+            <a:off x="1810750" y="3510397"/>
+            <a:ext cx="2021305" cy="369332"/>
+          </a:xfrm>
+          <a:prstGeom prst="rect">
+            <a:avLst/>
+          </a:prstGeom>
+          <a:noFill/>
+        </p:spPr>
+        <p:txBody>
+          <a:bodyPr wrap="square" rtlCol="0">
+            <a:spAutoFit/>
+          </a:bodyPr>
+          <a:lstStyle/>
+          <a:p>
+            <a:r>
+              <a:rPr lang="en-US" dirty="0" smtClean="0"/>
+              <a:t>Created Container</a:t>
+            </a:r>
+            <a:endParaRPr lang="en-US" dirty="0"/>
+          </a:p>
+        </p:txBody>
+      </p:sp>
+      <p:sp>
+        <p:nvSpPr>
+          <p:cNvPr id="10" name="TextBox 9"/>
+          <p:cNvSpPr txBox="1"/>
+          <p:nvPr/>
+        </p:nvSpPr>
+        <p:spPr>
+          <a:xfrm>
+            <a:off x="4368970" y="2164263"/>
+            <a:ext cx="693820" cy="369332"/>
+          </a:xfrm>
+          <a:prstGeom prst="rect">
+            <a:avLst/>
+          </a:prstGeom>
+          <a:noFill/>
+        </p:spPr>
+        <p:txBody>
+          <a:bodyPr wrap="square" rtlCol="0">
+            <a:spAutoFit/>
+          </a:bodyPr>
+          <a:lstStyle/>
+          <a:p>
+            <a:r>
+              <a:rPr lang="en-US" dirty="0" smtClean="0"/>
+              <a:t>Data</a:t>
+            </a:r>
+            <a:endParaRPr lang="en-US" dirty="0"/>
+          </a:p>
+        </p:txBody>
+      </p:sp>
+      <p:cxnSp>
+        <p:nvCxnSpPr>
+          <p:cNvPr id="11" name="Straight Arrow Connector 10"/>
+          <p:cNvCxnSpPr/>
+          <p:nvPr/>
+        </p:nvCxnSpPr>
+        <p:spPr>
+          <a:xfrm>
+            <a:off x="3789448" y="2336898"/>
+            <a:ext cx="489284" cy="0"/>
+          </a:xfrm>
+          <a:prstGeom prst="straightConnector1">
+            <a:avLst/>
+          </a:prstGeom>
+          <a:ln>
+            <a:tailEnd type="triangle"/>
+          </a:ln>
+        </p:spPr>
+        <p:style>
+          <a:lnRef idx="1">
+            <a:schemeClr val="accent1"/>
+          </a:lnRef>
+          <a:fillRef idx="0">
+            <a:schemeClr val="accent1"/>
+          </a:fillRef>
+          <a:effectRef idx="0">
+            <a:schemeClr val="accent1"/>
+          </a:effectRef>
+          <a:fontRef idx="minor">
+            <a:schemeClr val="tx1"/>
+          </a:fontRef>
+        </p:style>
+      </p:cxnSp>
+      <p:cxnSp>
+        <p:nvCxnSpPr>
+          <p:cNvPr id="13" name="Straight Arrow Connector 12"/>
+          <p:cNvCxnSpPr>
+            <a:stCxn id="10" idx="3"/>
+          </p:cNvCxnSpPr>
+          <p:nvPr/>
+        </p:nvCxnSpPr>
+        <p:spPr>
+          <a:xfrm>
+            <a:off x="5062790" y="2348929"/>
+            <a:ext cx="376991" cy="0"/>
+          </a:xfrm>
+          <a:prstGeom prst="straightConnector1">
+            <a:avLst/>
+          </a:prstGeom>
+          <a:ln>
+            <a:tailEnd type="triangle"/>
+          </a:ln>
+        </p:spPr>
+        <p:style>
+          <a:lnRef idx="1">
+            <a:schemeClr val="accent1"/>
+          </a:lnRef>
+          <a:fillRef idx="0">
+            <a:schemeClr val="accent1"/>
+          </a:fillRef>
+          <a:effectRef idx="0">
+            <a:schemeClr val="accent1"/>
+          </a:effectRef>
+          <a:fontRef idx="minor">
+            <a:schemeClr val="tx1"/>
+          </a:fontRef>
+        </p:style>
+      </p:cxnSp>
+      <p:sp>
+        <p:nvSpPr>
+          <p:cNvPr id="19" name="TextBox 18"/>
+          <p:cNvSpPr txBox="1"/>
+          <p:nvPr/>
+        </p:nvSpPr>
+        <p:spPr>
+          <a:xfrm>
+            <a:off x="7331747" y="2158667"/>
+            <a:ext cx="693820" cy="369332"/>
+          </a:xfrm>
+          <a:prstGeom prst="rect">
+            <a:avLst/>
+          </a:prstGeom>
+          <a:noFill/>
+        </p:spPr>
+        <p:txBody>
+          <a:bodyPr wrap="square" rtlCol="0">
+            <a:spAutoFit/>
+          </a:bodyPr>
+          <a:lstStyle/>
+          <a:p>
+            <a:r>
+              <a:rPr lang="en-US" dirty="0" smtClean="0"/>
+              <a:t>enter</a:t>
+            </a:r>
+            <a:endParaRPr lang="en-US" dirty="0"/>
+          </a:p>
+        </p:txBody>
+      </p:sp>
+      <p:cxnSp>
+        <p:nvCxnSpPr>
+          <p:cNvPr id="20" name="Straight Arrow Connector 19"/>
+          <p:cNvCxnSpPr/>
+          <p:nvPr/>
+        </p:nvCxnSpPr>
+        <p:spPr>
+          <a:xfrm>
+            <a:off x="7017421" y="2355364"/>
+            <a:ext cx="337384" cy="0"/>
+          </a:xfrm>
+          <a:prstGeom prst="straightConnector1">
+            <a:avLst/>
+          </a:prstGeom>
+          <a:ln>
+            <a:tailEnd type="triangle"/>
+          </a:ln>
+        </p:spPr>
+        <p:style>
+          <a:lnRef idx="1">
+            <a:schemeClr val="accent1"/>
+          </a:lnRef>
+          <a:fillRef idx="0">
+            <a:schemeClr val="accent1"/>
+          </a:fillRef>
+          <a:effectRef idx="0">
+            <a:schemeClr val="accent1"/>
+          </a:effectRef>
+          <a:fontRef idx="minor">
+            <a:schemeClr val="tx1"/>
+          </a:fontRef>
+        </p:style>
+      </p:cxnSp>
+      <p:cxnSp>
+        <p:nvCxnSpPr>
+          <p:cNvPr id="21" name="Straight Arrow Connector 20"/>
+          <p:cNvCxnSpPr/>
+          <p:nvPr/>
+        </p:nvCxnSpPr>
+        <p:spPr>
+          <a:xfrm>
+            <a:off x="8025567" y="2349768"/>
+            <a:ext cx="376991" cy="0"/>
+          </a:xfrm>
+          <a:prstGeom prst="straightConnector1">
+            <a:avLst/>
+          </a:prstGeom>
+          <a:ln>
+            <a:tailEnd type="triangle"/>
+          </a:ln>
+        </p:spPr>
+        <p:style>
+          <a:lnRef idx="1">
+            <a:schemeClr val="accent1"/>
+          </a:lnRef>
+          <a:fillRef idx="0">
+            <a:schemeClr val="accent1"/>
+          </a:fillRef>
+          <a:effectRef idx="0">
+            <a:schemeClr val="accent1"/>
+          </a:effectRef>
+          <a:fontRef idx="minor">
+            <a:schemeClr val="tx1"/>
+          </a:fontRef>
+        </p:style>
+      </p:cxnSp>
+      <p:graphicFrame>
+        <p:nvGraphicFramePr>
+          <p:cNvPr id="15" name="Content Placeholder 3"/>
+          <p:cNvGraphicFramePr>
+            <a:graphicFrameLocks/>
+          </p:cNvGraphicFramePr>
+          <p:nvPr>
+            <p:extLst>
+              <p:ext uri="{D42A27DB-BD31-4B8C-83A1-F6EECF244321}">
+                <p14:modId xmlns:p14="http://schemas.microsoft.com/office/powerpoint/2010/main" val="1464531074"/>
+              </p:ext>
+            </p:extLst>
+          </p:nvPr>
+        </p:nvGraphicFramePr>
+        <p:xfrm>
+          <a:off x="1777666" y="1421161"/>
+          <a:ext cx="1925054" cy="1842835"/>
+        </p:xfrm>
+        <a:graphic>
+          <a:graphicData uri="http://schemas.openxmlformats.org/drawingml/2006/table">
+            <a:tbl>
+              <a:tblPr firstRow="1" bandRow="1">
+                <a:tableStyleId>{5940675A-B579-460E-94D1-54222C63F5DA}</a:tableStyleId>
+              </a:tblPr>
+              <a:tblGrid>
+                <a:gridCol w="1925054"/>
+              </a:tblGrid>
+              <a:tr h="368567">
+                <a:tc>
+                  <a:txBody>
+                    <a:bodyPr/>
+                    <a:lstStyle/>
+                    <a:p>
+                      <a:pPr algn="ctr"/>
+                      <a:r>
+                        <a:rPr lang="en-US" dirty="0" smtClean="0"/>
+                        <a:t>5</a:t>
+                      </a:r>
+                      <a:endParaRPr lang="en-US" dirty="0"/>
+                    </a:p>
+                  </a:txBody>
+                  <a:tcPr/>
+                </a:tc>
+              </a:tr>
+              <a:tr h="368567">
+                <a:tc>
+                  <a:txBody>
+                    <a:bodyPr/>
+                    <a:lstStyle/>
+                    <a:p>
+                      <a:pPr algn="ctr"/>
+                      <a:r>
+                        <a:rPr lang="en-US" dirty="0" smtClean="0"/>
+                        <a:t>10</a:t>
+                      </a:r>
+                      <a:endParaRPr lang="en-US" dirty="0"/>
+                    </a:p>
+                  </a:txBody>
+                  <a:tcPr/>
+                </a:tc>
+              </a:tr>
+              <a:tr h="368567">
+                <a:tc>
+                  <a:txBody>
+                    <a:bodyPr/>
+                    <a:lstStyle/>
+                    <a:p>
+                      <a:pPr algn="ctr"/>
+                      <a:r>
+                        <a:rPr lang="en-US" dirty="0" smtClean="0"/>
+                        <a:t>15</a:t>
+                      </a:r>
+                      <a:endParaRPr lang="en-US" dirty="0"/>
+                    </a:p>
+                  </a:txBody>
+                  <a:tcPr/>
+                </a:tc>
+              </a:tr>
+              <a:tr h="368567">
+                <a:tc>
+                  <a:txBody>
+                    <a:bodyPr/>
+                    <a:lstStyle/>
+                    <a:p>
+                      <a:pPr algn="ctr"/>
+                      <a:r>
+                        <a:rPr lang="en-US" dirty="0" smtClean="0"/>
+                        <a:t>20</a:t>
+                      </a:r>
+                      <a:endParaRPr lang="en-US" dirty="0"/>
+                    </a:p>
+                  </a:txBody>
+                  <a:tcPr/>
+                </a:tc>
+              </a:tr>
+              <a:tr h="368567">
+                <a:tc>
+                  <a:txBody>
+                    <a:bodyPr/>
+                    <a:lstStyle/>
+                    <a:p>
+                      <a:pPr algn="ctr"/>
+                      <a:r>
+                        <a:rPr lang="en-US" dirty="0" smtClean="0"/>
+                        <a:t>25</a:t>
+                      </a:r>
+                      <a:endParaRPr lang="en-US" dirty="0"/>
+                    </a:p>
+                  </a:txBody>
+                  <a:tcPr/>
+                </a:tc>
+              </a:tr>
+            </a:tbl>
+          </a:graphicData>
+        </a:graphic>
+      </p:graphicFrame>
+      <p:cxnSp>
+        <p:nvCxnSpPr>
+          <p:cNvPr id="7" name="Straight Arrow Connector 6"/>
+          <p:cNvCxnSpPr/>
+          <p:nvPr/>
+        </p:nvCxnSpPr>
+        <p:spPr>
+          <a:xfrm flipH="1">
+            <a:off x="4608092" y="2521564"/>
+            <a:ext cx="24570" cy="1363761"/>
+          </a:xfrm>
+          <a:prstGeom prst="straightConnector1">
+            <a:avLst/>
+          </a:prstGeom>
+          <a:ln>
+            <a:tailEnd type="triangle"/>
+          </a:ln>
+        </p:spPr>
+        <p:style>
+          <a:lnRef idx="1">
+            <a:schemeClr val="accent1"/>
+          </a:lnRef>
+          <a:fillRef idx="0">
+            <a:schemeClr val="accent1"/>
+          </a:fillRef>
+          <a:effectRef idx="0">
+            <a:schemeClr val="accent1"/>
+          </a:effectRef>
+          <a:fontRef idx="minor">
+            <a:schemeClr val="tx1"/>
+          </a:fontRef>
+        </p:style>
+      </p:cxnSp>
+      <p:sp>
+        <p:nvSpPr>
+          <p:cNvPr id="22" name="TextBox 21"/>
+          <p:cNvSpPr txBox="1"/>
+          <p:nvPr/>
+        </p:nvSpPr>
+        <p:spPr>
+          <a:xfrm>
+            <a:off x="3693195" y="3885325"/>
+            <a:ext cx="2422357" cy="369332"/>
+          </a:xfrm>
+          <a:prstGeom prst="rect">
+            <a:avLst/>
+          </a:prstGeom>
+          <a:noFill/>
+        </p:spPr>
+        <p:txBody>
+          <a:bodyPr wrap="square" rtlCol="0">
+            <a:spAutoFit/>
+          </a:bodyPr>
+          <a:lstStyle/>
+          <a:p>
+            <a:r>
+              <a:rPr lang="en-US" dirty="0" smtClean="0"/>
+              <a:t>[6, 11, 16, 21, 26, 30]</a:t>
+            </a:r>
+            <a:endParaRPr lang="en-US" dirty="0"/>
+          </a:p>
+        </p:txBody>
+      </p:sp>
+      <p:graphicFrame>
+        <p:nvGraphicFramePr>
+          <p:cNvPr id="16" name="Table 15"/>
+          <p:cNvGraphicFramePr>
+            <a:graphicFrameLocks noGrp="1"/>
+          </p:cNvGraphicFramePr>
+          <p:nvPr>
+            <p:extLst>
+              <p:ext uri="{D42A27DB-BD31-4B8C-83A1-F6EECF244321}">
+                <p14:modId xmlns:p14="http://schemas.microsoft.com/office/powerpoint/2010/main" val="1923855588"/>
+              </p:ext>
+            </p:extLst>
+          </p:nvPr>
+        </p:nvGraphicFramePr>
+        <p:xfrm>
+          <a:off x="8506830" y="2196779"/>
+          <a:ext cx="1123448" cy="370840"/>
+        </p:xfrm>
+        <a:graphic>
+          <a:graphicData uri="http://schemas.openxmlformats.org/drawingml/2006/table">
+            <a:tbl>
+              <a:tblPr firstRow="1" bandRow="1">
+                <a:tableStyleId>{2D5ABB26-0587-4C30-8999-92F81FD0307C}</a:tableStyleId>
+              </a:tblPr>
+              <a:tblGrid>
+                <a:gridCol w="1123448"/>
+              </a:tblGrid>
+              <a:tr h="370840">
+                <a:tc>
+                  <a:txBody>
+                    <a:bodyPr/>
+                    <a:lstStyle/>
+                    <a:p>
+                      <a:pPr algn="ctr"/>
+                      <a:r>
+                        <a:rPr lang="en-US" b="1" dirty="0" smtClean="0"/>
+                        <a:t>30</a:t>
+                      </a:r>
+                      <a:endParaRPr lang="en-US" b="1" dirty="0"/>
+                    </a:p>
+                  </a:txBody>
+                  <a:tcPr>
+                    <a:lnL w="12700" cap="flat" cmpd="sng" algn="ctr">
+                      <a:solidFill>
+                        <a:schemeClr val="tx1"/>
+                      </a:solidFill>
+                      <a:prstDash val="solid"/>
+                      <a:round/>
+                      <a:headEnd type="none" w="med" len="med"/>
+                      <a:tailEnd type="none" w="med" len="med"/>
+                    </a:lnL>
+                    <a:lnR w="12700" cap="flat" cmpd="sng" algn="ctr">
+                      <a:solidFill>
+                        <a:schemeClr val="tx1"/>
+                      </a:solidFill>
+                      <a:prstDash val="solid"/>
+                      <a:round/>
+                      <a:headEnd type="none" w="med" len="med"/>
+                      <a:tailEnd type="none" w="med" len="med"/>
+                    </a:lnR>
+                    <a:lnT w="12700" cap="flat" cmpd="sng" algn="ctr">
+                      <a:solidFill>
+                        <a:schemeClr val="tx1"/>
+                      </a:solidFill>
+                      <a:prstDash val="solid"/>
+                      <a:round/>
+                      <a:headEnd type="none" w="med" len="med"/>
+                      <a:tailEnd type="none" w="med" len="med"/>
+                    </a:lnT>
+                    <a:lnB w="12700" cap="flat" cmpd="sng" algn="ctr">
+                      <a:solidFill>
+                        <a:schemeClr val="tx1"/>
+                      </a:solidFill>
+                      <a:prstDash val="solid"/>
+                      <a:round/>
+                      <a:headEnd type="none" w="med" len="med"/>
+                      <a:tailEnd type="none" w="med" len="med"/>
+                    </a:lnB>
+                  </a:tcPr>
+                </a:tc>
+              </a:tr>
+            </a:tbl>
+          </a:graphicData>
+        </a:graphic>
+      </p:graphicFrame>
+      <p:sp>
+        <p:nvSpPr>
+          <p:cNvPr id="23" name="TextBox 22"/>
+          <p:cNvSpPr txBox="1"/>
+          <p:nvPr/>
+        </p:nvSpPr>
+        <p:spPr>
+          <a:xfrm>
+            <a:off x="10070934" y="2158667"/>
+            <a:ext cx="841207" cy="369332"/>
+          </a:xfrm>
+          <a:prstGeom prst="rect">
+            <a:avLst/>
+          </a:prstGeom>
+          <a:noFill/>
+        </p:spPr>
+        <p:txBody>
+          <a:bodyPr wrap="square" rtlCol="0">
+            <a:spAutoFit/>
+          </a:bodyPr>
+          <a:lstStyle/>
+          <a:p>
+            <a:r>
+              <a:rPr lang="en-US" dirty="0" smtClean="0"/>
+              <a:t>merge</a:t>
+            </a:r>
+            <a:endParaRPr lang="en-US" dirty="0"/>
+          </a:p>
+        </p:txBody>
+      </p:sp>
+      <p:cxnSp>
+        <p:nvCxnSpPr>
+          <p:cNvPr id="24" name="Straight Arrow Connector 23"/>
+          <p:cNvCxnSpPr/>
+          <p:nvPr/>
+        </p:nvCxnSpPr>
+        <p:spPr>
+          <a:xfrm>
+            <a:off x="9630278" y="2352540"/>
+            <a:ext cx="489284" cy="0"/>
+          </a:xfrm>
+          <a:prstGeom prst="straightConnector1">
+            <a:avLst/>
+          </a:prstGeom>
+          <a:ln>
+            <a:tailEnd type="triangle"/>
+          </a:ln>
+        </p:spPr>
+        <p:style>
+          <a:lnRef idx="1">
+            <a:schemeClr val="accent1"/>
+          </a:lnRef>
+          <a:fillRef idx="0">
+            <a:schemeClr val="accent1"/>
+          </a:fillRef>
+          <a:effectRef idx="0">
+            <a:schemeClr val="accent1"/>
+          </a:effectRef>
+          <a:fontRef idx="minor">
+            <a:schemeClr val="tx1"/>
+          </a:fontRef>
+        </p:style>
+      </p:cxnSp>
+      <p:cxnSp>
+        <p:nvCxnSpPr>
+          <p:cNvPr id="25" name="Straight Arrow Connector 24"/>
+          <p:cNvCxnSpPr/>
+          <p:nvPr/>
+        </p:nvCxnSpPr>
+        <p:spPr>
+          <a:xfrm>
+            <a:off x="10827920" y="2355311"/>
+            <a:ext cx="376991" cy="0"/>
+          </a:xfrm>
+          <a:prstGeom prst="straightConnector1">
+            <a:avLst/>
+          </a:prstGeom>
+          <a:ln>
+            <a:tailEnd type="triangle"/>
+          </a:ln>
+        </p:spPr>
+        <p:style>
+          <a:lnRef idx="1">
+            <a:schemeClr val="accent1"/>
+          </a:lnRef>
+          <a:fillRef idx="0">
+            <a:schemeClr val="accent1"/>
+          </a:fillRef>
+          <a:effectRef idx="0">
+            <a:schemeClr val="accent1"/>
+          </a:effectRef>
+          <a:fontRef idx="minor">
+            <a:schemeClr val="tx1"/>
+          </a:fontRef>
+        </p:style>
+      </p:cxnSp>
+      <p:graphicFrame>
+        <p:nvGraphicFramePr>
+          <p:cNvPr id="26" name="Content Placeholder 3"/>
+          <p:cNvGraphicFramePr>
+            <a:graphicFrameLocks/>
+          </p:cNvGraphicFramePr>
+          <p:nvPr>
+            <p:extLst>
+              <p:ext uri="{D42A27DB-BD31-4B8C-83A1-F6EECF244321}">
+                <p14:modId xmlns:p14="http://schemas.microsoft.com/office/powerpoint/2010/main" val="1715247618"/>
+              </p:ext>
+            </p:extLst>
+          </p:nvPr>
+        </p:nvGraphicFramePr>
+        <p:xfrm>
+          <a:off x="11243010" y="1422298"/>
+          <a:ext cx="887830" cy="2211402"/>
+        </p:xfrm>
+        <a:graphic>
+          <a:graphicData uri="http://schemas.openxmlformats.org/drawingml/2006/table">
+            <a:tbl>
+              <a:tblPr firstRow="1" bandRow="1">
+                <a:tableStyleId>{5940675A-B579-460E-94D1-54222C63F5DA}</a:tableStyleId>
+              </a:tblPr>
+              <a:tblGrid>
+                <a:gridCol w="887830"/>
+              </a:tblGrid>
+              <a:tr h="368567">
+                <a:tc>
+                  <a:txBody>
+                    <a:bodyPr/>
+                    <a:lstStyle/>
+                    <a:p>
+                      <a:pPr algn="ctr"/>
+                      <a:r>
+                        <a:rPr lang="en-US" dirty="0" smtClean="0"/>
+                        <a:t>6</a:t>
+                      </a:r>
+                      <a:endParaRPr lang="en-US" dirty="0"/>
+                    </a:p>
+                  </a:txBody>
+                  <a:tcPr/>
+                </a:tc>
+              </a:tr>
+              <a:tr h="368567">
+                <a:tc>
+                  <a:txBody>
+                    <a:bodyPr/>
+                    <a:lstStyle/>
+                    <a:p>
+                      <a:pPr algn="ctr"/>
+                      <a:r>
+                        <a:rPr lang="en-US" dirty="0" smtClean="0"/>
+                        <a:t>11</a:t>
+                      </a:r>
+                      <a:endParaRPr lang="en-US" dirty="0"/>
+                    </a:p>
+                  </a:txBody>
+                  <a:tcPr/>
+                </a:tc>
+              </a:tr>
+              <a:tr h="368567">
+                <a:tc>
+                  <a:txBody>
+                    <a:bodyPr/>
+                    <a:lstStyle/>
+                    <a:p>
+                      <a:pPr algn="ctr"/>
+                      <a:r>
+                        <a:rPr lang="en-US" dirty="0" smtClean="0"/>
+                        <a:t>16</a:t>
+                      </a:r>
+                      <a:endParaRPr lang="en-US" dirty="0"/>
+                    </a:p>
+                  </a:txBody>
+                  <a:tcPr/>
+                </a:tc>
+              </a:tr>
+              <a:tr h="368567">
+                <a:tc>
+                  <a:txBody>
+                    <a:bodyPr/>
+                    <a:lstStyle/>
+                    <a:p>
+                      <a:pPr algn="ctr"/>
+                      <a:r>
+                        <a:rPr lang="en-US" dirty="0" smtClean="0"/>
+                        <a:t>21</a:t>
+                      </a:r>
+                      <a:endParaRPr lang="en-US" dirty="0"/>
+                    </a:p>
+                  </a:txBody>
+                  <a:tcPr/>
+                </a:tc>
+              </a:tr>
+              <a:tr h="368567">
+                <a:tc>
+                  <a:txBody>
+                    <a:bodyPr/>
+                    <a:lstStyle/>
+                    <a:p>
+                      <a:pPr algn="ctr"/>
+                      <a:r>
+                        <a:rPr lang="en-US" dirty="0" smtClean="0"/>
+                        <a:t>26</a:t>
+                      </a:r>
+                      <a:endParaRPr lang="en-US" dirty="0"/>
+                    </a:p>
+                  </a:txBody>
+                  <a:tcPr/>
+                </a:tc>
+              </a:tr>
+              <a:tr h="368567">
+                <a:tc>
+                  <a:txBody>
+                    <a:bodyPr/>
+                    <a:lstStyle/>
+                    <a:p>
+                      <a:pPr algn="ctr"/>
+                      <a:r>
+                        <a:rPr lang="en-US" b="1" dirty="0" smtClean="0"/>
+                        <a:t>30</a:t>
+                      </a:r>
+                      <a:endParaRPr lang="en-US" b="1" dirty="0"/>
+                    </a:p>
+                  </a:txBody>
+                  <a:tcPr/>
+                </a:tc>
+              </a:tr>
+            </a:tbl>
+          </a:graphicData>
+        </a:graphic>
+      </p:graphicFrame>
+    </p:spTree>
+    <p:extLst>
+      <p:ext uri="{BB962C8B-B14F-4D97-AF65-F5344CB8AC3E}">
+        <p14:creationId xmlns:p14="http://schemas.microsoft.com/office/powerpoint/2010/main" val="1588043909"/>
+      </p:ext>
+    </p:extLst>
+  </p:cSld>
+  <p:clrMapOvr>
+    <a:masterClrMapping/>
+  </p:clrMapOvr>
+</p:sld>
+</file>
+
+<file path=ppt/slides/slide12.xml><?xml version="1.0" encoding="utf-8"?>
+<p:sld xmlns:a="http://schemas.openxmlformats.org/drawingml/2006/main" xmlns:r="http://schemas.openxmlformats.org/officeDocument/2006/relationships" xmlns:p="http://schemas.openxmlformats.org/presentationml/2006/main">
+  <p:cSld>
+    <p:spTree>
+      <p:nvGrpSpPr>
+        <p:cNvPr id="1" name=""/>
+        <p:cNvGrpSpPr/>
+        <p:nvPr/>
+      </p:nvGrpSpPr>
+      <p:grpSpPr>
+        <a:xfrm>
+          <a:off x="0" y="0"/>
+          <a:ext cx="0" cy="0"/>
+          <a:chOff x="0" y="0"/>
+          <a:chExt cx="0" cy="0"/>
+        </a:xfrm>
+      </p:grpSpPr>
+      <p:sp>
+        <p:nvSpPr>
+          <p:cNvPr id="2" name="Title 1"/>
+          <p:cNvSpPr>
+            <a:spLocks noGrp="1"/>
+          </p:cNvSpPr>
+          <p:nvPr>
+            <p:ph type="title"/>
+          </p:nvPr>
+        </p:nvSpPr>
+        <p:spPr/>
+        <p:txBody>
+          <a:bodyPr/>
+          <a:lstStyle/>
+          <a:p>
+            <a:r>
+              <a:rPr lang="en-US" dirty="0" smtClean="0"/>
+              <a:t>Exit</a:t>
+            </a:r>
+            <a:endParaRPr lang="en-US" dirty="0"/>
+          </a:p>
+        </p:txBody>
+      </p:sp>
+      <p:graphicFrame>
+        <p:nvGraphicFramePr>
+          <p:cNvPr id="17" name="Content Placeholder 3"/>
+          <p:cNvGraphicFramePr>
+            <a:graphicFrameLocks noGrp="1"/>
+          </p:cNvGraphicFramePr>
+          <p:nvPr>
+            <p:ph idx="1"/>
+            <p:extLst>
+              <p:ext uri="{D42A27DB-BD31-4B8C-83A1-F6EECF244321}">
+                <p14:modId xmlns:p14="http://schemas.microsoft.com/office/powerpoint/2010/main" val="2085668566"/>
+              </p:ext>
+            </p:extLst>
+          </p:nvPr>
+        </p:nvGraphicFramePr>
+        <p:xfrm>
+          <a:off x="6664993" y="2588224"/>
+          <a:ext cx="1254292" cy="1842835"/>
+        </p:xfrm>
+        <a:graphic>
+          <a:graphicData uri="http://schemas.openxmlformats.org/drawingml/2006/table">
+            <a:tbl>
+              <a:tblPr firstRow="1" bandRow="1">
+                <a:tableStyleId>{5940675A-B579-460E-94D1-54222C63F5DA}</a:tableStyleId>
+              </a:tblPr>
+              <a:tblGrid>
+                <a:gridCol w="1254292"/>
+              </a:tblGrid>
+              <a:tr h="368567">
+                <a:tc>
+                  <a:txBody>
+                    <a:bodyPr/>
+                    <a:lstStyle/>
+                    <a:p>
+                      <a:pPr algn="ctr"/>
+                      <a:r>
+                        <a:rPr lang="en-US" dirty="0" smtClean="0"/>
+                        <a:t>6</a:t>
+                      </a:r>
+                      <a:endParaRPr lang="en-US" dirty="0"/>
+                    </a:p>
+                  </a:txBody>
+                  <a:tcPr/>
+                </a:tc>
+              </a:tr>
+              <a:tr h="368567">
+                <a:tc>
+                  <a:txBody>
+                    <a:bodyPr/>
+                    <a:lstStyle/>
+                    <a:p>
+                      <a:pPr algn="ctr"/>
+                      <a:r>
+                        <a:rPr lang="en-US" dirty="0" smtClean="0"/>
+                        <a:t>11</a:t>
+                      </a:r>
+                      <a:endParaRPr lang="en-US" dirty="0"/>
+                    </a:p>
+                  </a:txBody>
+                  <a:tcPr/>
+                </a:tc>
+              </a:tr>
+              <a:tr h="368567">
+                <a:tc>
+                  <a:txBody>
+                    <a:bodyPr/>
+                    <a:lstStyle/>
+                    <a:p>
+                      <a:pPr algn="ctr"/>
+                      <a:r>
+                        <a:rPr lang="en-US" dirty="0" smtClean="0"/>
+                        <a:t>16</a:t>
+                      </a:r>
+                      <a:endParaRPr lang="en-US" dirty="0"/>
+                    </a:p>
+                  </a:txBody>
+                  <a:tcPr/>
+                </a:tc>
+              </a:tr>
+              <a:tr h="368567">
+                <a:tc>
+                  <a:txBody>
+                    <a:bodyPr/>
+                    <a:lstStyle/>
+                    <a:p>
+                      <a:pPr algn="ctr"/>
+                      <a:r>
+                        <a:rPr lang="en-US" dirty="0" smtClean="0"/>
+                        <a:t>21</a:t>
+                      </a:r>
+                      <a:endParaRPr lang="en-US" dirty="0"/>
+                    </a:p>
+                  </a:txBody>
+                  <a:tcPr/>
+                </a:tc>
+              </a:tr>
+              <a:tr h="368567">
+                <a:tc>
+                  <a:txBody>
+                    <a:bodyPr/>
+                    <a:lstStyle/>
+                    <a:p>
+                      <a:pPr algn="ctr"/>
+                      <a:r>
+                        <a:rPr lang="en-US" b="1" dirty="0" smtClean="0"/>
+                        <a:t>25</a:t>
+                      </a:r>
+                      <a:endParaRPr lang="en-US" b="1" dirty="0"/>
+                    </a:p>
+                  </a:txBody>
+                  <a:tcPr/>
+                </a:tc>
+              </a:tr>
+            </a:tbl>
+          </a:graphicData>
+        </a:graphic>
+      </p:graphicFrame>
+      <p:cxnSp>
+        <p:nvCxnSpPr>
+          <p:cNvPr id="18" name="Straight Arrow Connector 17"/>
+          <p:cNvCxnSpPr/>
+          <p:nvPr/>
+        </p:nvCxnSpPr>
+        <p:spPr>
+          <a:xfrm>
+            <a:off x="1640808" y="3509642"/>
+            <a:ext cx="802106" cy="0"/>
+          </a:xfrm>
+          <a:prstGeom prst="straightConnector1">
+            <a:avLst/>
+          </a:prstGeom>
+          <a:ln>
+            <a:tailEnd type="triangle"/>
+          </a:ln>
+        </p:spPr>
+        <p:style>
+          <a:lnRef idx="1">
+            <a:schemeClr val="accent1"/>
+          </a:lnRef>
+          <a:fillRef idx="0">
+            <a:schemeClr val="accent1"/>
+          </a:fillRef>
+          <a:effectRef idx="0">
+            <a:schemeClr val="accent1"/>
+          </a:effectRef>
+          <a:fontRef idx="minor">
+            <a:schemeClr val="tx1"/>
+          </a:fontRef>
+        </p:style>
+      </p:cxnSp>
+      <p:sp>
+        <p:nvSpPr>
+          <p:cNvPr id="19" name="TextBox 18"/>
+          <p:cNvSpPr txBox="1"/>
+          <p:nvPr/>
+        </p:nvSpPr>
+        <p:spPr>
+          <a:xfrm>
+            <a:off x="2821402" y="4677460"/>
+            <a:ext cx="2021305" cy="369332"/>
+          </a:xfrm>
+          <a:prstGeom prst="rect">
+            <a:avLst/>
+          </a:prstGeom>
+          <a:noFill/>
+        </p:spPr>
+        <p:txBody>
+          <a:bodyPr wrap="square" rtlCol="0">
+            <a:spAutoFit/>
+          </a:bodyPr>
+          <a:lstStyle/>
+          <a:p>
+            <a:r>
+              <a:rPr lang="en-US" dirty="0" smtClean="0"/>
+              <a:t>Created Container</a:t>
+            </a:r>
+            <a:endParaRPr lang="en-US" dirty="0"/>
+          </a:p>
+        </p:txBody>
+      </p:sp>
+      <p:sp>
+        <p:nvSpPr>
+          <p:cNvPr id="20" name="TextBox 19"/>
+          <p:cNvSpPr txBox="1"/>
+          <p:nvPr/>
+        </p:nvSpPr>
+        <p:spPr>
+          <a:xfrm>
+            <a:off x="5379622" y="3331326"/>
+            <a:ext cx="693820" cy="369332"/>
+          </a:xfrm>
+          <a:prstGeom prst="rect">
+            <a:avLst/>
+          </a:prstGeom>
+          <a:noFill/>
+        </p:spPr>
+        <p:txBody>
+          <a:bodyPr wrap="square" rtlCol="0">
+            <a:spAutoFit/>
+          </a:bodyPr>
+          <a:lstStyle/>
+          <a:p>
+            <a:r>
+              <a:rPr lang="en-US" dirty="0" smtClean="0"/>
+              <a:t>Data</a:t>
+            </a:r>
+            <a:endParaRPr lang="en-US" dirty="0"/>
+          </a:p>
+        </p:txBody>
+      </p:sp>
+      <p:cxnSp>
+        <p:nvCxnSpPr>
+          <p:cNvPr id="21" name="Straight Arrow Connector 20"/>
+          <p:cNvCxnSpPr/>
+          <p:nvPr/>
+        </p:nvCxnSpPr>
+        <p:spPr>
+          <a:xfrm>
+            <a:off x="4800100" y="3503961"/>
+            <a:ext cx="489284" cy="0"/>
+          </a:xfrm>
+          <a:prstGeom prst="straightConnector1">
+            <a:avLst/>
+          </a:prstGeom>
+          <a:ln>
+            <a:tailEnd type="triangle"/>
+          </a:ln>
+        </p:spPr>
+        <p:style>
+          <a:lnRef idx="1">
+            <a:schemeClr val="accent1"/>
+          </a:lnRef>
+          <a:fillRef idx="0">
+            <a:schemeClr val="accent1"/>
+          </a:fillRef>
+          <a:effectRef idx="0">
+            <a:schemeClr val="accent1"/>
+          </a:effectRef>
+          <a:fontRef idx="minor">
+            <a:schemeClr val="tx1"/>
+          </a:fontRef>
+        </p:style>
+      </p:cxnSp>
+      <p:cxnSp>
+        <p:nvCxnSpPr>
+          <p:cNvPr id="22" name="Straight Arrow Connector 21"/>
+          <p:cNvCxnSpPr>
+            <a:stCxn id="25" idx="3"/>
+          </p:cNvCxnSpPr>
+          <p:nvPr/>
+        </p:nvCxnSpPr>
+        <p:spPr>
+          <a:xfrm>
+            <a:off x="6073442" y="3515992"/>
+            <a:ext cx="376991" cy="0"/>
+          </a:xfrm>
+          <a:prstGeom prst="straightConnector1">
+            <a:avLst/>
+          </a:prstGeom>
+          <a:ln>
+            <a:tailEnd type="triangle"/>
+          </a:ln>
+        </p:spPr>
+        <p:style>
+          <a:lnRef idx="1">
+            <a:schemeClr val="accent1"/>
+          </a:lnRef>
+          <a:fillRef idx="0">
+            <a:schemeClr val="accent1"/>
+          </a:fillRef>
+          <a:effectRef idx="0">
+            <a:schemeClr val="accent1"/>
+          </a:effectRef>
+          <a:fontRef idx="minor">
+            <a:schemeClr val="tx1"/>
+          </a:fontRef>
+        </p:style>
+      </p:cxnSp>
+      <p:sp>
+        <p:nvSpPr>
+          <p:cNvPr id="23" name="TextBox 22"/>
+          <p:cNvSpPr txBox="1"/>
+          <p:nvPr/>
+        </p:nvSpPr>
+        <p:spPr>
+          <a:xfrm>
+            <a:off x="8342399" y="3325730"/>
+            <a:ext cx="693820" cy="369332"/>
+          </a:xfrm>
+          <a:prstGeom prst="rect">
+            <a:avLst/>
+          </a:prstGeom>
+          <a:noFill/>
+        </p:spPr>
+        <p:txBody>
+          <a:bodyPr wrap="square" rtlCol="0">
+            <a:spAutoFit/>
+          </a:bodyPr>
+          <a:lstStyle/>
+          <a:p>
+            <a:r>
+              <a:rPr lang="en-US" dirty="0" smtClean="0"/>
+              <a:t>exit</a:t>
+            </a:r>
+            <a:endParaRPr lang="en-US" dirty="0"/>
+          </a:p>
+        </p:txBody>
+      </p:sp>
+      <p:cxnSp>
+        <p:nvCxnSpPr>
+          <p:cNvPr id="24" name="Straight Arrow Connector 23"/>
+          <p:cNvCxnSpPr/>
+          <p:nvPr/>
+        </p:nvCxnSpPr>
+        <p:spPr>
+          <a:xfrm>
+            <a:off x="8028073" y="3522427"/>
+            <a:ext cx="337384" cy="0"/>
+          </a:xfrm>
+          <a:prstGeom prst="straightConnector1">
+            <a:avLst/>
+          </a:prstGeom>
+          <a:ln>
+            <a:tailEnd type="triangle"/>
+          </a:ln>
+        </p:spPr>
+        <p:style>
+          <a:lnRef idx="1">
+            <a:schemeClr val="accent1"/>
+          </a:lnRef>
+          <a:fillRef idx="0">
+            <a:schemeClr val="accent1"/>
+          </a:fillRef>
+          <a:effectRef idx="0">
+            <a:schemeClr val="accent1"/>
+          </a:effectRef>
+          <a:fontRef idx="minor">
+            <a:schemeClr val="tx1"/>
+          </a:fontRef>
+        </p:style>
+      </p:cxnSp>
+      <p:cxnSp>
+        <p:nvCxnSpPr>
+          <p:cNvPr id="25" name="Straight Arrow Connector 24"/>
+          <p:cNvCxnSpPr/>
+          <p:nvPr/>
+        </p:nvCxnSpPr>
+        <p:spPr>
+          <a:xfrm>
+            <a:off x="9036219" y="3516831"/>
+            <a:ext cx="376991" cy="0"/>
+          </a:xfrm>
+          <a:prstGeom prst="straightConnector1">
+            <a:avLst/>
+          </a:prstGeom>
+          <a:ln>
+            <a:tailEnd type="triangle"/>
+          </a:ln>
+        </p:spPr>
+        <p:style>
+          <a:lnRef idx="1">
+            <a:schemeClr val="accent1"/>
+          </a:lnRef>
+          <a:fillRef idx="0">
+            <a:schemeClr val="accent1"/>
+          </a:fillRef>
+          <a:effectRef idx="0">
+            <a:schemeClr val="accent1"/>
+          </a:effectRef>
+          <a:fontRef idx="minor">
+            <a:schemeClr val="tx1"/>
+          </a:fontRef>
+        </p:style>
+      </p:cxnSp>
+      <p:graphicFrame>
+        <p:nvGraphicFramePr>
+          <p:cNvPr id="26" name="Content Placeholder 3"/>
+          <p:cNvGraphicFramePr>
+            <a:graphicFrameLocks/>
+          </p:cNvGraphicFramePr>
+          <p:nvPr>
+            <p:extLst>
+              <p:ext uri="{D42A27DB-BD31-4B8C-83A1-F6EECF244321}">
+                <p14:modId xmlns:p14="http://schemas.microsoft.com/office/powerpoint/2010/main" val="2112565516"/>
+              </p:ext>
+            </p:extLst>
+          </p:nvPr>
+        </p:nvGraphicFramePr>
+        <p:xfrm>
+          <a:off x="2788318" y="2588224"/>
+          <a:ext cx="1925054" cy="1842835"/>
+        </p:xfrm>
+        <a:graphic>
+          <a:graphicData uri="http://schemas.openxmlformats.org/drawingml/2006/table">
+            <a:tbl>
+              <a:tblPr firstRow="1" bandRow="1">
+                <a:tableStyleId>{5940675A-B579-460E-94D1-54222C63F5DA}</a:tableStyleId>
+              </a:tblPr>
+              <a:tblGrid>
+                <a:gridCol w="1925054"/>
+              </a:tblGrid>
+              <a:tr h="368567">
+                <a:tc>
+                  <a:txBody>
+                    <a:bodyPr/>
+                    <a:lstStyle/>
+                    <a:p>
+                      <a:pPr algn="ctr"/>
+                      <a:r>
+                        <a:rPr lang="en-US" dirty="0" smtClean="0"/>
+                        <a:t>5</a:t>
+                      </a:r>
+                      <a:endParaRPr lang="en-US" dirty="0"/>
+                    </a:p>
+                  </a:txBody>
+                  <a:tcPr/>
+                </a:tc>
+              </a:tr>
+              <a:tr h="368567">
+                <a:tc>
+                  <a:txBody>
+                    <a:bodyPr/>
+                    <a:lstStyle/>
+                    <a:p>
+                      <a:pPr algn="ctr"/>
+                      <a:r>
+                        <a:rPr lang="en-US" dirty="0" smtClean="0"/>
+                        <a:t>10</a:t>
+                      </a:r>
+                      <a:endParaRPr lang="en-US" dirty="0"/>
+                    </a:p>
+                  </a:txBody>
+                  <a:tcPr/>
+                </a:tc>
+              </a:tr>
+              <a:tr h="368567">
+                <a:tc>
+                  <a:txBody>
+                    <a:bodyPr/>
+                    <a:lstStyle/>
+                    <a:p>
+                      <a:pPr algn="ctr"/>
+                      <a:r>
+                        <a:rPr lang="en-US" dirty="0" smtClean="0"/>
+                        <a:t>15</a:t>
+                      </a:r>
+                      <a:endParaRPr lang="en-US" dirty="0"/>
+                    </a:p>
+                  </a:txBody>
+                  <a:tcPr/>
+                </a:tc>
+              </a:tr>
+              <a:tr h="368567">
+                <a:tc>
+                  <a:txBody>
+                    <a:bodyPr/>
+                    <a:lstStyle/>
+                    <a:p>
+                      <a:pPr algn="ctr"/>
+                      <a:r>
+                        <a:rPr lang="en-US" dirty="0" smtClean="0"/>
+                        <a:t>20</a:t>
+                      </a:r>
+                      <a:endParaRPr lang="en-US" dirty="0"/>
+                    </a:p>
+                  </a:txBody>
+                  <a:tcPr/>
+                </a:tc>
+              </a:tr>
+              <a:tr h="368567">
+                <a:tc>
+                  <a:txBody>
+                    <a:bodyPr/>
+                    <a:lstStyle/>
+                    <a:p>
+                      <a:pPr algn="ctr"/>
+                      <a:r>
+                        <a:rPr lang="en-US" dirty="0" smtClean="0"/>
+                        <a:t>25</a:t>
+                      </a:r>
+                      <a:endParaRPr lang="en-US" dirty="0"/>
+                    </a:p>
+                  </a:txBody>
+                  <a:tcPr/>
+                </a:tc>
+              </a:tr>
+            </a:tbl>
+          </a:graphicData>
+        </a:graphic>
+      </p:graphicFrame>
+      <p:cxnSp>
+        <p:nvCxnSpPr>
+          <p:cNvPr id="27" name="Straight Arrow Connector 26"/>
+          <p:cNvCxnSpPr/>
+          <p:nvPr/>
+        </p:nvCxnSpPr>
+        <p:spPr>
+          <a:xfrm flipH="1">
+            <a:off x="5618744" y="3688627"/>
+            <a:ext cx="24570" cy="1363761"/>
+          </a:xfrm>
+          <a:prstGeom prst="straightConnector1">
+            <a:avLst/>
+          </a:prstGeom>
+          <a:ln>
+            <a:tailEnd type="triangle"/>
+          </a:ln>
+        </p:spPr>
+        <p:style>
+          <a:lnRef idx="1">
+            <a:schemeClr val="accent1"/>
+          </a:lnRef>
+          <a:fillRef idx="0">
+            <a:schemeClr val="accent1"/>
+          </a:fillRef>
+          <a:effectRef idx="0">
+            <a:schemeClr val="accent1"/>
+          </a:effectRef>
+          <a:fontRef idx="minor">
+            <a:schemeClr val="tx1"/>
+          </a:fontRef>
+        </p:style>
+      </p:cxnSp>
+      <p:sp>
+        <p:nvSpPr>
+          <p:cNvPr id="28" name="TextBox 27"/>
+          <p:cNvSpPr txBox="1"/>
+          <p:nvPr/>
+        </p:nvSpPr>
+        <p:spPr>
+          <a:xfrm>
+            <a:off x="4703847" y="5052388"/>
+            <a:ext cx="2422357" cy="369332"/>
+          </a:xfrm>
+          <a:prstGeom prst="rect">
+            <a:avLst/>
+          </a:prstGeom>
+          <a:noFill/>
+        </p:spPr>
+        <p:txBody>
+          <a:bodyPr wrap="square" rtlCol="0">
+            <a:spAutoFit/>
+          </a:bodyPr>
+          <a:lstStyle/>
+          <a:p>
+            <a:r>
+              <a:rPr lang="en-US" dirty="0" smtClean="0"/>
+              <a:t>[6, 11, 16, 21]</a:t>
+            </a:r>
+            <a:endParaRPr lang="en-US" dirty="0"/>
+          </a:p>
+        </p:txBody>
+      </p:sp>
+      <p:graphicFrame>
+        <p:nvGraphicFramePr>
+          <p:cNvPr id="29" name="Table 28"/>
+          <p:cNvGraphicFramePr>
+            <a:graphicFrameLocks noGrp="1"/>
+          </p:cNvGraphicFramePr>
+          <p:nvPr>
+            <p:extLst>
+              <p:ext uri="{D42A27DB-BD31-4B8C-83A1-F6EECF244321}">
+                <p14:modId xmlns:p14="http://schemas.microsoft.com/office/powerpoint/2010/main" val="1602075729"/>
+              </p:ext>
+            </p:extLst>
+          </p:nvPr>
+        </p:nvGraphicFramePr>
+        <p:xfrm>
+          <a:off x="9517482" y="3363842"/>
+          <a:ext cx="1123448" cy="370840"/>
+        </p:xfrm>
+        <a:graphic>
+          <a:graphicData uri="http://schemas.openxmlformats.org/drawingml/2006/table">
+            <a:tbl>
+              <a:tblPr firstRow="1" bandRow="1">
+                <a:tableStyleId>{2D5ABB26-0587-4C30-8999-92F81FD0307C}</a:tableStyleId>
+              </a:tblPr>
+              <a:tblGrid>
+                <a:gridCol w="1123448"/>
+              </a:tblGrid>
+              <a:tr h="370840">
+                <a:tc>
+                  <a:txBody>
+                    <a:bodyPr/>
+                    <a:lstStyle/>
+                    <a:p>
+                      <a:pPr algn="ctr"/>
+                      <a:r>
+                        <a:rPr lang="en-US" b="1" dirty="0" smtClean="0"/>
+                        <a:t>25</a:t>
+                      </a:r>
+                      <a:endParaRPr lang="en-US" b="1" dirty="0"/>
+                    </a:p>
+                  </a:txBody>
+                  <a:tcPr>
+                    <a:lnL w="12700" cap="flat" cmpd="sng" algn="ctr">
+                      <a:solidFill>
+                        <a:schemeClr val="tx1"/>
+                      </a:solidFill>
+                      <a:prstDash val="solid"/>
+                      <a:round/>
+                      <a:headEnd type="none" w="med" len="med"/>
+                      <a:tailEnd type="none" w="med" len="med"/>
+                    </a:lnL>
+                    <a:lnR w="12700" cap="flat" cmpd="sng" algn="ctr">
+                      <a:solidFill>
+                        <a:schemeClr val="tx1"/>
+                      </a:solidFill>
+                      <a:prstDash val="solid"/>
+                      <a:round/>
+                      <a:headEnd type="none" w="med" len="med"/>
+                      <a:tailEnd type="none" w="med" len="med"/>
+                    </a:lnR>
+                    <a:lnT w="12700" cap="flat" cmpd="sng" algn="ctr">
+                      <a:solidFill>
+                        <a:schemeClr val="tx1"/>
+                      </a:solidFill>
+                      <a:prstDash val="solid"/>
+                      <a:round/>
+                      <a:headEnd type="none" w="med" len="med"/>
+                      <a:tailEnd type="none" w="med" len="med"/>
+                    </a:lnT>
+                    <a:lnB w="12700" cap="flat" cmpd="sng" algn="ctr">
+                      <a:solidFill>
+                        <a:schemeClr val="tx1"/>
+                      </a:solidFill>
+                      <a:prstDash val="solid"/>
+                      <a:round/>
+                      <a:headEnd type="none" w="med" len="med"/>
+                      <a:tailEnd type="none" w="med" len="med"/>
+                    </a:lnB>
+                  </a:tcPr>
+                </a:tc>
+              </a:tr>
+            </a:tbl>
+          </a:graphicData>
+        </a:graphic>
+      </p:graphicFrame>
+      <p:sp>
+        <p:nvSpPr>
+          <p:cNvPr id="30" name="TextBox 29"/>
+          <p:cNvSpPr txBox="1"/>
+          <p:nvPr/>
+        </p:nvSpPr>
+        <p:spPr>
+          <a:xfrm>
+            <a:off x="732428" y="3319295"/>
+            <a:ext cx="693820" cy="369332"/>
+          </a:xfrm>
+          <a:prstGeom prst="rect">
+            <a:avLst/>
+          </a:prstGeom>
+          <a:noFill/>
+        </p:spPr>
+        <p:txBody>
+          <a:bodyPr wrap="square" rtlCol="0">
+            <a:spAutoFit/>
+          </a:bodyPr>
+          <a:lstStyle/>
+          <a:p>
+            <a:r>
+              <a:rPr lang="en-US" dirty="0" smtClean="0"/>
+              <a:t>SVG</a:t>
+            </a:r>
+            <a:endParaRPr lang="en-US" dirty="0"/>
+          </a:p>
+        </p:txBody>
+      </p:sp>
+    </p:spTree>
+    <p:extLst>
+      <p:ext uri="{BB962C8B-B14F-4D97-AF65-F5344CB8AC3E}">
+        <p14:creationId xmlns:p14="http://schemas.microsoft.com/office/powerpoint/2010/main" val="1873200736"/>
+      </p:ext>
+    </p:extLst>
+  </p:cSld>
+  <p:clrMapOvr>
+    <a:masterClrMapping/>
+  </p:clrMapOvr>
+</p:sld>
+</file>
+
+<file path=ppt/slides/slide13.xml><?xml version="1.0" encoding="utf-8"?>
+<p:sld xmlns:a="http://schemas.openxmlformats.org/drawingml/2006/main" xmlns:r="http://schemas.openxmlformats.org/officeDocument/2006/relationships" xmlns:p="http://schemas.openxmlformats.org/presentationml/2006/main">
+  <p:cSld>
+    <p:spTree>
+      <p:nvGrpSpPr>
+        <p:cNvPr id="1" name=""/>
+        <p:cNvGrpSpPr/>
+        <p:nvPr/>
+      </p:nvGrpSpPr>
+      <p:grpSpPr>
+        <a:xfrm>
+          <a:off x="0" y="0"/>
+          <a:ext cx="0" cy="0"/>
+          <a:chOff x="0" y="0"/>
+          <a:chExt cx="0" cy="0"/>
+        </a:xfrm>
+      </p:grpSpPr>
+      <p:sp>
+        <p:nvSpPr>
+          <p:cNvPr id="2" name="Title 1"/>
+          <p:cNvSpPr>
+            <a:spLocks noGrp="1"/>
+          </p:cNvSpPr>
+          <p:nvPr>
+            <p:ph type="title"/>
+          </p:nvPr>
+        </p:nvSpPr>
+        <p:spPr/>
+        <p:txBody>
+          <a:bodyPr/>
+          <a:lstStyle/>
+          <a:p>
+            <a:r>
+              <a:rPr lang="en-US" dirty="0" smtClean="0"/>
+              <a:t>Scales</a:t>
+            </a:r>
+            <a:endParaRPr lang="en-US" dirty="0"/>
+          </a:p>
+        </p:txBody>
+      </p:sp>
+      <p:pic>
+        <p:nvPicPr>
+          <p:cNvPr id="4" name="Picture 3"/>
+          <p:cNvPicPr>
+            <a:picLocks noChangeAspect="1"/>
+          </p:cNvPicPr>
+          <p:nvPr/>
+        </p:nvPicPr>
+        <p:blipFill>
+          <a:blip r:embed="rId2"/>
+          <a:stretch>
+            <a:fillRect/>
+          </a:stretch>
+        </p:blipFill>
+        <p:spPr>
+          <a:xfrm>
+            <a:off x="552450" y="2101850"/>
+            <a:ext cx="11087100" cy="2654300"/>
+          </a:xfrm>
+          <a:prstGeom prst="rect">
+            <a:avLst/>
+          </a:prstGeom>
+        </p:spPr>
+      </p:pic>
+      <p:pic>
+        <p:nvPicPr>
+          <p:cNvPr id="5" name="Picture 4"/>
+          <p:cNvPicPr>
+            <a:picLocks noChangeAspect="1"/>
+          </p:cNvPicPr>
+          <p:nvPr/>
+        </p:nvPicPr>
+        <p:blipFill>
+          <a:blip r:embed="rId3"/>
+          <a:stretch>
+            <a:fillRect/>
+          </a:stretch>
+        </p:blipFill>
+        <p:spPr>
+          <a:xfrm>
+            <a:off x="838200" y="5258134"/>
+            <a:ext cx="4191000" cy="1130300"/>
+          </a:xfrm>
+          <a:prstGeom prst="rect">
+            <a:avLst/>
+          </a:prstGeom>
+        </p:spPr>
+      </p:pic>
+      <p:pic>
+        <p:nvPicPr>
+          <p:cNvPr id="7" name="Picture 6"/>
+          <p:cNvPicPr>
+            <a:picLocks noChangeAspect="1"/>
+          </p:cNvPicPr>
+          <p:nvPr/>
+        </p:nvPicPr>
+        <p:blipFill>
+          <a:blip r:embed="rId4"/>
+          <a:stretch>
+            <a:fillRect/>
+          </a:stretch>
+        </p:blipFill>
+        <p:spPr>
+          <a:xfrm>
+            <a:off x="7988300" y="5340684"/>
+            <a:ext cx="3365500" cy="965200"/>
+          </a:xfrm>
+          <a:prstGeom prst="rect">
+            <a:avLst/>
+          </a:prstGeom>
+        </p:spPr>
+      </p:pic>
+    </p:spTree>
+    <p:extLst>
+      <p:ext uri="{BB962C8B-B14F-4D97-AF65-F5344CB8AC3E}">
+        <p14:creationId xmlns:p14="http://schemas.microsoft.com/office/powerpoint/2010/main" val="262880414"/>
+      </p:ext>
+    </p:extLst>
+  </p:cSld>
+  <p:clrMapOvr>
+    <a:masterClrMapping/>
+  </p:clrMapOvr>
+</p:sld>
+</file>
+
+<file path=ppt/slides/slide14.xml><?xml version="1.0" encoding="utf-8"?>
+<p:sld xmlns:a="http://schemas.openxmlformats.org/drawingml/2006/main" xmlns:r="http://schemas.openxmlformats.org/officeDocument/2006/relationships" xmlns:p="http://schemas.openxmlformats.org/presentationml/2006/main">
+  <p:cSld>
+    <p:spTree>
+      <p:nvGrpSpPr>
+        <p:cNvPr id="1" name=""/>
+        <p:cNvGrpSpPr/>
+        <p:nvPr/>
+      </p:nvGrpSpPr>
+      <p:grpSpPr>
+        <a:xfrm>
+          <a:off x="0" y="0"/>
+          <a:ext cx="0" cy="0"/>
+          <a:chOff x="0" y="0"/>
+          <a:chExt cx="0" cy="0"/>
+        </a:xfrm>
+      </p:grpSpPr>
+      <p:sp>
+        <p:nvSpPr>
+          <p:cNvPr id="2" name="Title 1"/>
+          <p:cNvSpPr>
+            <a:spLocks noGrp="1"/>
+          </p:cNvSpPr>
+          <p:nvPr>
+            <p:ph type="title"/>
+          </p:nvPr>
+        </p:nvSpPr>
+        <p:spPr/>
+        <p:txBody>
+          <a:bodyPr/>
+          <a:lstStyle/>
+          <a:p>
+            <a:r>
+              <a:rPr lang="en-US" dirty="0" smtClean="0"/>
+              <a:t>Keys: enter</a:t>
+            </a:r>
+            <a:endParaRPr lang="en-US" dirty="0"/>
+          </a:p>
+        </p:txBody>
+      </p:sp>
+      <p:graphicFrame>
+        <p:nvGraphicFramePr>
+          <p:cNvPr id="4" name="Content Placeholder 3"/>
+          <p:cNvGraphicFramePr>
+            <a:graphicFrameLocks noGrp="1"/>
+          </p:cNvGraphicFramePr>
+          <p:nvPr>
+            <p:ph idx="1"/>
+            <p:extLst>
+              <p:ext uri="{D42A27DB-BD31-4B8C-83A1-F6EECF244321}">
+                <p14:modId xmlns:p14="http://schemas.microsoft.com/office/powerpoint/2010/main" val="1683348247"/>
+              </p:ext>
+            </p:extLst>
+          </p:nvPr>
+        </p:nvGraphicFramePr>
+        <p:xfrm>
+          <a:off x="5605712" y="1806171"/>
+          <a:ext cx="1254292" cy="2211402"/>
+        </p:xfrm>
+        <a:graphic>
+          <a:graphicData uri="http://schemas.openxmlformats.org/drawingml/2006/table">
+            <a:tbl>
+              <a:tblPr firstRow="1" bandRow="1">
+                <a:tableStyleId>{5940675A-B579-460E-94D1-54222C63F5DA}</a:tableStyleId>
+              </a:tblPr>
+              <a:tblGrid>
+                <a:gridCol w="1254292"/>
+              </a:tblGrid>
+              <a:tr h="368567">
+                <a:tc>
+                  <a:txBody>
+                    <a:bodyPr/>
+                    <a:lstStyle/>
+                    <a:p>
+                      <a:pPr algn="ctr"/>
+                      <a:r>
+                        <a:rPr lang="en-US" dirty="0" smtClean="0"/>
+                        <a:t>6</a:t>
+                      </a:r>
+                      <a:endParaRPr lang="en-US" dirty="0"/>
+                    </a:p>
+                  </a:txBody>
+                  <a:tcPr/>
+                </a:tc>
+              </a:tr>
+              <a:tr h="368567">
+                <a:tc>
+                  <a:txBody>
+                    <a:bodyPr/>
+                    <a:lstStyle/>
+                    <a:p>
+                      <a:pPr algn="ctr"/>
+                      <a:r>
+                        <a:rPr lang="en-US" dirty="0" smtClean="0"/>
+                        <a:t>11</a:t>
+                      </a:r>
+                      <a:endParaRPr lang="en-US" dirty="0"/>
+                    </a:p>
+                  </a:txBody>
+                  <a:tcPr/>
+                </a:tc>
+              </a:tr>
+              <a:tr h="368567">
+                <a:tc>
+                  <a:txBody>
+                    <a:bodyPr/>
+                    <a:lstStyle/>
+                    <a:p>
+                      <a:pPr algn="ctr"/>
+                      <a:r>
+                        <a:rPr lang="en-US" dirty="0" smtClean="0"/>
+                        <a:t>21</a:t>
+                      </a:r>
+                      <a:endParaRPr lang="en-US" dirty="0"/>
+                    </a:p>
+                  </a:txBody>
+                  <a:tcPr/>
+                </a:tc>
+              </a:tr>
+              <a:tr h="368567">
+                <a:tc>
+                  <a:txBody>
+                    <a:bodyPr/>
+                    <a:lstStyle/>
+                    <a:p>
+                      <a:pPr algn="ctr"/>
+                      <a:r>
+                        <a:rPr lang="en-US" dirty="0" smtClean="0"/>
+                        <a:t>16</a:t>
+                      </a:r>
+                      <a:endParaRPr lang="en-US" dirty="0"/>
+                    </a:p>
+                  </a:txBody>
+                  <a:tcPr/>
+                </a:tc>
+              </a:tr>
+              <a:tr h="368567">
+                <a:tc>
+                  <a:txBody>
+                    <a:bodyPr/>
+                    <a:lstStyle/>
+                    <a:p>
+                      <a:pPr algn="ctr"/>
+                      <a:r>
+                        <a:rPr lang="en-US" dirty="0" smtClean="0"/>
+                        <a:t>26</a:t>
+                      </a:r>
+                      <a:endParaRPr lang="en-US" dirty="0"/>
+                    </a:p>
+                  </a:txBody>
+                  <a:tcPr/>
+                </a:tc>
+              </a:tr>
+              <a:tr h="368567">
+                <a:tc>
+                  <a:txBody>
+                    <a:bodyPr/>
+                    <a:lstStyle/>
+                    <a:p>
+                      <a:pPr algn="ctr"/>
+                      <a:r>
+                        <a:rPr lang="en-US" b="1" dirty="0" smtClean="0"/>
+                        <a:t>30</a:t>
+                      </a:r>
+                      <a:endParaRPr lang="en-US" b="1" dirty="0"/>
+                    </a:p>
+                  </a:txBody>
+                  <a:tcPr/>
+                </a:tc>
+              </a:tr>
+            </a:tbl>
+          </a:graphicData>
+        </a:graphic>
+      </p:graphicFrame>
+      <p:sp>
+        <p:nvSpPr>
+          <p:cNvPr id="5" name="TextBox 4"/>
+          <p:cNvSpPr txBox="1"/>
+          <p:nvPr/>
+        </p:nvSpPr>
+        <p:spPr>
+          <a:xfrm>
+            <a:off x="0" y="2543677"/>
+            <a:ext cx="581527" cy="369332"/>
+          </a:xfrm>
+          <a:prstGeom prst="rect">
+            <a:avLst/>
+          </a:prstGeom>
+          <a:noFill/>
+        </p:spPr>
+        <p:txBody>
+          <a:bodyPr wrap="square" rtlCol="0">
+            <a:spAutoFit/>
+          </a:bodyPr>
+          <a:lstStyle/>
+          <a:p>
+            <a:r>
+              <a:rPr lang="en-US" dirty="0" smtClean="0"/>
+              <a:t>SVG</a:t>
+            </a:r>
+            <a:endParaRPr lang="en-US" dirty="0"/>
+          </a:p>
+        </p:txBody>
+      </p:sp>
+      <p:cxnSp>
+        <p:nvCxnSpPr>
+          <p:cNvPr id="6" name="Straight Arrow Connector 5"/>
+          <p:cNvCxnSpPr/>
+          <p:nvPr/>
+        </p:nvCxnSpPr>
+        <p:spPr>
+          <a:xfrm>
+            <a:off x="581527" y="2727589"/>
+            <a:ext cx="802106" cy="0"/>
+          </a:xfrm>
+          <a:prstGeom prst="straightConnector1">
+            <a:avLst/>
+          </a:prstGeom>
+          <a:ln>
+            <a:tailEnd type="triangle"/>
+          </a:ln>
+        </p:spPr>
+        <p:style>
+          <a:lnRef idx="1">
+            <a:schemeClr val="accent1"/>
+          </a:lnRef>
+          <a:fillRef idx="0">
+            <a:schemeClr val="accent1"/>
+          </a:fillRef>
+          <a:effectRef idx="0">
+            <a:schemeClr val="accent1"/>
+          </a:effectRef>
+          <a:fontRef idx="minor">
+            <a:schemeClr val="tx1"/>
+          </a:fontRef>
+        </p:style>
+      </p:cxnSp>
+      <p:sp>
+        <p:nvSpPr>
+          <p:cNvPr id="7" name="TextBox 6"/>
+          <p:cNvSpPr txBox="1"/>
+          <p:nvPr/>
+        </p:nvSpPr>
+        <p:spPr>
+          <a:xfrm>
+            <a:off x="1762121" y="3895407"/>
+            <a:ext cx="2021305" cy="369332"/>
+          </a:xfrm>
+          <a:prstGeom prst="rect">
+            <a:avLst/>
+          </a:prstGeom>
+          <a:noFill/>
+        </p:spPr>
+        <p:txBody>
+          <a:bodyPr wrap="square" rtlCol="0">
+            <a:spAutoFit/>
+          </a:bodyPr>
+          <a:lstStyle/>
+          <a:p>
+            <a:r>
+              <a:rPr lang="en-US" dirty="0" smtClean="0"/>
+              <a:t>Created Container</a:t>
+            </a:r>
+            <a:endParaRPr lang="en-US" dirty="0"/>
+          </a:p>
+        </p:txBody>
+      </p:sp>
+      <p:sp>
+        <p:nvSpPr>
+          <p:cNvPr id="8" name="TextBox 7"/>
+          <p:cNvSpPr txBox="1"/>
+          <p:nvPr/>
+        </p:nvSpPr>
+        <p:spPr>
+          <a:xfrm>
+            <a:off x="4320341" y="2549273"/>
+            <a:ext cx="693820" cy="369332"/>
+          </a:xfrm>
+          <a:prstGeom prst="rect">
+            <a:avLst/>
+          </a:prstGeom>
+          <a:noFill/>
+        </p:spPr>
+        <p:txBody>
+          <a:bodyPr wrap="square" rtlCol="0">
+            <a:spAutoFit/>
+          </a:bodyPr>
+          <a:lstStyle/>
+          <a:p>
+            <a:r>
+              <a:rPr lang="en-US" dirty="0" smtClean="0"/>
+              <a:t>Data</a:t>
+            </a:r>
+            <a:endParaRPr lang="en-US" dirty="0"/>
+          </a:p>
+        </p:txBody>
+      </p:sp>
+      <p:cxnSp>
+        <p:nvCxnSpPr>
+          <p:cNvPr id="9" name="Straight Arrow Connector 8"/>
+          <p:cNvCxnSpPr/>
+          <p:nvPr/>
+        </p:nvCxnSpPr>
+        <p:spPr>
+          <a:xfrm>
+            <a:off x="3740819" y="2721908"/>
+            <a:ext cx="489284" cy="0"/>
+          </a:xfrm>
+          <a:prstGeom prst="straightConnector1">
+            <a:avLst/>
+          </a:prstGeom>
+          <a:ln>
+            <a:tailEnd type="triangle"/>
+          </a:ln>
+        </p:spPr>
+        <p:style>
+          <a:lnRef idx="1">
+            <a:schemeClr val="accent1"/>
+          </a:lnRef>
+          <a:fillRef idx="0">
+            <a:schemeClr val="accent1"/>
+          </a:fillRef>
+          <a:effectRef idx="0">
+            <a:schemeClr val="accent1"/>
+          </a:effectRef>
+          <a:fontRef idx="minor">
+            <a:schemeClr val="tx1"/>
+          </a:fontRef>
+        </p:style>
+      </p:cxnSp>
+      <p:cxnSp>
+        <p:nvCxnSpPr>
+          <p:cNvPr id="10" name="Straight Arrow Connector 9"/>
+          <p:cNvCxnSpPr>
+            <a:stCxn id="12" idx="3"/>
+          </p:cNvCxnSpPr>
+          <p:nvPr/>
+        </p:nvCxnSpPr>
+        <p:spPr>
+          <a:xfrm>
+            <a:off x="5014161" y="2733939"/>
+            <a:ext cx="376991" cy="0"/>
+          </a:xfrm>
+          <a:prstGeom prst="straightConnector1">
+            <a:avLst/>
+          </a:prstGeom>
+          <a:ln>
+            <a:tailEnd type="triangle"/>
+          </a:ln>
+        </p:spPr>
+        <p:style>
+          <a:lnRef idx="1">
+            <a:schemeClr val="accent1"/>
+          </a:lnRef>
+          <a:fillRef idx="0">
+            <a:schemeClr val="accent1"/>
+          </a:fillRef>
+          <a:effectRef idx="0">
+            <a:schemeClr val="accent1"/>
+          </a:effectRef>
+          <a:fontRef idx="minor">
+            <a:schemeClr val="tx1"/>
+          </a:fontRef>
+        </p:style>
+      </p:cxnSp>
+      <p:sp>
+        <p:nvSpPr>
+          <p:cNvPr id="11" name="TextBox 10"/>
+          <p:cNvSpPr txBox="1"/>
+          <p:nvPr/>
+        </p:nvSpPr>
+        <p:spPr>
+          <a:xfrm>
+            <a:off x="7283118" y="2543677"/>
+            <a:ext cx="693820" cy="369332"/>
+          </a:xfrm>
+          <a:prstGeom prst="rect">
+            <a:avLst/>
+          </a:prstGeom>
+          <a:noFill/>
+        </p:spPr>
+        <p:txBody>
+          <a:bodyPr wrap="square" rtlCol="0">
+            <a:spAutoFit/>
+          </a:bodyPr>
+          <a:lstStyle/>
+          <a:p>
+            <a:r>
+              <a:rPr lang="en-US" dirty="0" smtClean="0"/>
+              <a:t>enter</a:t>
+            </a:r>
+            <a:endParaRPr lang="en-US" dirty="0"/>
+          </a:p>
+        </p:txBody>
+      </p:sp>
+      <p:cxnSp>
+        <p:nvCxnSpPr>
+          <p:cNvPr id="12" name="Straight Arrow Connector 11"/>
+          <p:cNvCxnSpPr/>
+          <p:nvPr/>
+        </p:nvCxnSpPr>
+        <p:spPr>
+          <a:xfrm>
+            <a:off x="6968792" y="2740374"/>
+            <a:ext cx="337384" cy="0"/>
+          </a:xfrm>
+          <a:prstGeom prst="straightConnector1">
+            <a:avLst/>
+          </a:prstGeom>
+          <a:ln>
+            <a:tailEnd type="triangle"/>
+          </a:ln>
+        </p:spPr>
+        <p:style>
+          <a:lnRef idx="1">
+            <a:schemeClr val="accent1"/>
+          </a:lnRef>
+          <a:fillRef idx="0">
+            <a:schemeClr val="accent1"/>
+          </a:fillRef>
+          <a:effectRef idx="0">
+            <a:schemeClr val="accent1"/>
+          </a:effectRef>
+          <a:fontRef idx="minor">
+            <a:schemeClr val="tx1"/>
+          </a:fontRef>
+        </p:style>
+      </p:cxnSp>
+      <p:cxnSp>
+        <p:nvCxnSpPr>
+          <p:cNvPr id="13" name="Straight Arrow Connector 12"/>
+          <p:cNvCxnSpPr/>
+          <p:nvPr/>
+        </p:nvCxnSpPr>
+        <p:spPr>
+          <a:xfrm>
+            <a:off x="7976938" y="2734778"/>
+            <a:ext cx="376991" cy="0"/>
+          </a:xfrm>
+          <a:prstGeom prst="straightConnector1">
+            <a:avLst/>
+          </a:prstGeom>
+          <a:ln>
+            <a:tailEnd type="triangle"/>
+          </a:ln>
+        </p:spPr>
+        <p:style>
+          <a:lnRef idx="1">
+            <a:schemeClr val="accent1"/>
+          </a:lnRef>
+          <a:fillRef idx="0">
+            <a:schemeClr val="accent1"/>
+          </a:fillRef>
+          <a:effectRef idx="0">
+            <a:schemeClr val="accent1"/>
+          </a:effectRef>
+          <a:fontRef idx="minor">
+            <a:schemeClr val="tx1"/>
+          </a:fontRef>
+        </p:style>
+      </p:cxnSp>
+      <p:graphicFrame>
+        <p:nvGraphicFramePr>
+          <p:cNvPr id="14" name="Content Placeholder 3"/>
+          <p:cNvGraphicFramePr>
+            <a:graphicFrameLocks/>
+          </p:cNvGraphicFramePr>
+          <p:nvPr>
+            <p:extLst>
+              <p:ext uri="{D42A27DB-BD31-4B8C-83A1-F6EECF244321}">
+                <p14:modId xmlns:p14="http://schemas.microsoft.com/office/powerpoint/2010/main" val="841709361"/>
+              </p:ext>
+            </p:extLst>
+          </p:nvPr>
+        </p:nvGraphicFramePr>
+        <p:xfrm>
+          <a:off x="1729037" y="1806171"/>
+          <a:ext cx="1925054" cy="1842835"/>
+        </p:xfrm>
+        <a:graphic>
+          <a:graphicData uri="http://schemas.openxmlformats.org/drawingml/2006/table">
+            <a:tbl>
+              <a:tblPr firstRow="1" bandRow="1">
+                <a:tableStyleId>{5940675A-B579-460E-94D1-54222C63F5DA}</a:tableStyleId>
+              </a:tblPr>
+              <a:tblGrid>
+                <a:gridCol w="1925054"/>
+              </a:tblGrid>
+              <a:tr h="368567">
+                <a:tc>
+                  <a:txBody>
+                    <a:bodyPr/>
+                    <a:lstStyle/>
+                    <a:p>
+                      <a:pPr algn="ctr"/>
+                      <a:r>
+                        <a:rPr lang="en-US" dirty="0" smtClean="0"/>
+                        <a:t>1:5</a:t>
+                      </a:r>
+                      <a:endParaRPr lang="en-US" dirty="0"/>
+                    </a:p>
+                  </a:txBody>
+                  <a:tcPr/>
+                </a:tc>
+              </a:tr>
+              <a:tr h="368567">
+                <a:tc>
+                  <a:txBody>
+                    <a:bodyPr/>
+                    <a:lstStyle/>
+                    <a:p>
+                      <a:pPr algn="ctr"/>
+                      <a:r>
+                        <a:rPr lang="en-US" dirty="0" smtClean="0"/>
+                        <a:t>2:10</a:t>
+                      </a:r>
+                      <a:endParaRPr lang="en-US" dirty="0"/>
+                    </a:p>
+                  </a:txBody>
+                  <a:tcPr/>
+                </a:tc>
+              </a:tr>
+              <a:tr h="368567">
+                <a:tc>
+                  <a:txBody>
+                    <a:bodyPr/>
+                    <a:lstStyle/>
+                    <a:p>
+                      <a:pPr algn="ctr"/>
+                      <a:r>
+                        <a:rPr lang="en-US" dirty="0" smtClean="0"/>
+                        <a:t>3:15</a:t>
+                      </a:r>
+                      <a:endParaRPr lang="en-US" dirty="0"/>
+                    </a:p>
+                  </a:txBody>
+                  <a:tcPr/>
+                </a:tc>
+              </a:tr>
+              <a:tr h="368567">
+                <a:tc>
+                  <a:txBody>
+                    <a:bodyPr/>
+                    <a:lstStyle/>
+                    <a:p>
+                      <a:pPr algn="ctr"/>
+                      <a:r>
+                        <a:rPr lang="en-US" dirty="0" smtClean="0"/>
+                        <a:t>4:20</a:t>
+                      </a:r>
+                      <a:endParaRPr lang="en-US" dirty="0"/>
+                    </a:p>
+                  </a:txBody>
+                  <a:tcPr/>
+                </a:tc>
+              </a:tr>
+              <a:tr h="368567">
+                <a:tc>
+                  <a:txBody>
+                    <a:bodyPr/>
+                    <a:lstStyle/>
+                    <a:p>
+                      <a:pPr algn="ctr"/>
+                      <a:r>
+                        <a:rPr lang="en-US" dirty="0" smtClean="0"/>
+                        <a:t>5:25</a:t>
+                      </a:r>
+                      <a:endParaRPr lang="en-US" dirty="0"/>
+                    </a:p>
+                  </a:txBody>
+                  <a:tcPr/>
+                </a:tc>
+              </a:tr>
+            </a:tbl>
+          </a:graphicData>
+        </a:graphic>
+      </p:graphicFrame>
+      <p:cxnSp>
+        <p:nvCxnSpPr>
+          <p:cNvPr id="15" name="Straight Arrow Connector 14"/>
+          <p:cNvCxnSpPr/>
+          <p:nvPr/>
+        </p:nvCxnSpPr>
+        <p:spPr>
+          <a:xfrm flipH="1">
+            <a:off x="4559463" y="2906574"/>
+            <a:ext cx="24570" cy="1363761"/>
+          </a:xfrm>
+          <a:prstGeom prst="straightConnector1">
+            <a:avLst/>
+          </a:prstGeom>
+          <a:ln>
+            <a:tailEnd type="triangle"/>
+          </a:ln>
+        </p:spPr>
+        <p:style>
+          <a:lnRef idx="1">
+            <a:schemeClr val="accent1"/>
+          </a:lnRef>
+          <a:fillRef idx="0">
+            <a:schemeClr val="accent1"/>
+          </a:fillRef>
+          <a:effectRef idx="0">
+            <a:schemeClr val="accent1"/>
+          </a:effectRef>
+          <a:fontRef idx="minor">
+            <a:schemeClr val="tx1"/>
+          </a:fontRef>
+        </p:style>
+      </p:cxnSp>
+      <p:sp>
+        <p:nvSpPr>
+          <p:cNvPr id="16" name="TextBox 15"/>
+          <p:cNvSpPr txBox="1"/>
+          <p:nvPr/>
+        </p:nvSpPr>
+        <p:spPr>
+          <a:xfrm>
+            <a:off x="3644566" y="4270335"/>
+            <a:ext cx="2422357" cy="646331"/>
+          </a:xfrm>
+          <a:prstGeom prst="rect">
+            <a:avLst/>
+          </a:prstGeom>
+          <a:noFill/>
+        </p:spPr>
+        <p:txBody>
+          <a:bodyPr wrap="square" rtlCol="0">
+            <a:spAutoFit/>
+          </a:bodyPr>
+          <a:lstStyle/>
+          <a:p>
+            <a:r>
+              <a:rPr lang="en-US" dirty="0" smtClean="0"/>
+              <a:t>[1:6, 2:11, 4:16, 3:21, 5:26, 6:30]</a:t>
+            </a:r>
+            <a:endParaRPr lang="en-US" dirty="0"/>
+          </a:p>
+        </p:txBody>
+      </p:sp>
+      <p:graphicFrame>
+        <p:nvGraphicFramePr>
+          <p:cNvPr id="17" name="Table 16"/>
+          <p:cNvGraphicFramePr>
+            <a:graphicFrameLocks noGrp="1"/>
+          </p:cNvGraphicFramePr>
+          <p:nvPr>
+            <p:extLst>
+              <p:ext uri="{D42A27DB-BD31-4B8C-83A1-F6EECF244321}">
+                <p14:modId xmlns:p14="http://schemas.microsoft.com/office/powerpoint/2010/main" val="2008549071"/>
+              </p:ext>
+            </p:extLst>
+          </p:nvPr>
+        </p:nvGraphicFramePr>
+        <p:xfrm>
+          <a:off x="8458201" y="2581789"/>
+          <a:ext cx="1123448" cy="370840"/>
+        </p:xfrm>
+        <a:graphic>
+          <a:graphicData uri="http://schemas.openxmlformats.org/drawingml/2006/table">
+            <a:tbl>
+              <a:tblPr firstRow="1" bandRow="1">
+                <a:tableStyleId>{2D5ABB26-0587-4C30-8999-92F81FD0307C}</a:tableStyleId>
+              </a:tblPr>
+              <a:tblGrid>
+                <a:gridCol w="1123448"/>
+              </a:tblGrid>
+              <a:tr h="370840">
+                <a:tc>
+                  <a:txBody>
+                    <a:bodyPr/>
+                    <a:lstStyle/>
+                    <a:p>
+                      <a:pPr algn="ctr"/>
+                      <a:r>
+                        <a:rPr lang="en-US" b="1" dirty="0" smtClean="0"/>
+                        <a:t>30</a:t>
+                      </a:r>
+                      <a:endParaRPr lang="en-US" b="1" dirty="0"/>
+                    </a:p>
+                  </a:txBody>
+                  <a:tcPr>
+                    <a:lnL w="12700" cap="flat" cmpd="sng" algn="ctr">
+                      <a:solidFill>
+                        <a:schemeClr val="tx1"/>
+                      </a:solidFill>
+                      <a:prstDash val="solid"/>
+                      <a:round/>
+                      <a:headEnd type="none" w="med" len="med"/>
+                      <a:tailEnd type="none" w="med" len="med"/>
+                    </a:lnL>
+                    <a:lnR w="12700" cap="flat" cmpd="sng" algn="ctr">
+                      <a:solidFill>
+                        <a:schemeClr val="tx1"/>
+                      </a:solidFill>
+                      <a:prstDash val="solid"/>
+                      <a:round/>
+                      <a:headEnd type="none" w="med" len="med"/>
+                      <a:tailEnd type="none" w="med" len="med"/>
+                    </a:lnR>
+                    <a:lnT w="12700" cap="flat" cmpd="sng" algn="ctr">
+                      <a:solidFill>
+                        <a:schemeClr val="tx1"/>
+                      </a:solidFill>
+                      <a:prstDash val="solid"/>
+                      <a:round/>
+                      <a:headEnd type="none" w="med" len="med"/>
+                      <a:tailEnd type="none" w="med" len="med"/>
+                    </a:lnT>
+                    <a:lnB w="12700" cap="flat" cmpd="sng" algn="ctr">
+                      <a:solidFill>
+                        <a:schemeClr val="tx1"/>
+                      </a:solidFill>
+                      <a:prstDash val="solid"/>
+                      <a:round/>
+                      <a:headEnd type="none" w="med" len="med"/>
+                      <a:tailEnd type="none" w="med" len="med"/>
+                    </a:lnB>
+                  </a:tcPr>
+                </a:tc>
+              </a:tr>
+            </a:tbl>
+          </a:graphicData>
+        </a:graphic>
+      </p:graphicFrame>
+      <p:sp>
+        <p:nvSpPr>
+          <p:cNvPr id="18" name="TextBox 17"/>
+          <p:cNvSpPr txBox="1"/>
+          <p:nvPr/>
+        </p:nvSpPr>
+        <p:spPr>
+          <a:xfrm>
+            <a:off x="10022305" y="2543677"/>
+            <a:ext cx="841207" cy="369332"/>
+          </a:xfrm>
+          <a:prstGeom prst="rect">
+            <a:avLst/>
+          </a:prstGeom>
+          <a:noFill/>
+        </p:spPr>
+        <p:txBody>
+          <a:bodyPr wrap="square" rtlCol="0">
+            <a:spAutoFit/>
+          </a:bodyPr>
+          <a:lstStyle/>
+          <a:p>
+            <a:r>
+              <a:rPr lang="en-US" dirty="0" smtClean="0"/>
+              <a:t>merge</a:t>
+            </a:r>
+            <a:endParaRPr lang="en-US" dirty="0"/>
+          </a:p>
+        </p:txBody>
+      </p:sp>
+      <p:cxnSp>
+        <p:nvCxnSpPr>
+          <p:cNvPr id="19" name="Straight Arrow Connector 18"/>
+          <p:cNvCxnSpPr/>
+          <p:nvPr/>
+        </p:nvCxnSpPr>
+        <p:spPr>
+          <a:xfrm>
+            <a:off x="9581649" y="2737550"/>
+            <a:ext cx="489284" cy="0"/>
+          </a:xfrm>
+          <a:prstGeom prst="straightConnector1">
+            <a:avLst/>
+          </a:prstGeom>
+          <a:ln>
+            <a:tailEnd type="triangle"/>
+          </a:ln>
+        </p:spPr>
+        <p:style>
+          <a:lnRef idx="1">
+            <a:schemeClr val="accent1"/>
+          </a:lnRef>
+          <a:fillRef idx="0">
+            <a:schemeClr val="accent1"/>
+          </a:fillRef>
+          <a:effectRef idx="0">
+            <a:schemeClr val="accent1"/>
+          </a:effectRef>
+          <a:fontRef idx="minor">
+            <a:schemeClr val="tx1"/>
+          </a:fontRef>
+        </p:style>
+      </p:cxnSp>
+      <p:cxnSp>
+        <p:nvCxnSpPr>
+          <p:cNvPr id="20" name="Straight Arrow Connector 19"/>
+          <p:cNvCxnSpPr/>
+          <p:nvPr/>
+        </p:nvCxnSpPr>
+        <p:spPr>
+          <a:xfrm>
+            <a:off x="10779291" y="2740321"/>
+            <a:ext cx="376991" cy="0"/>
+          </a:xfrm>
+          <a:prstGeom prst="straightConnector1">
+            <a:avLst/>
+          </a:prstGeom>
+          <a:ln>
+            <a:tailEnd type="triangle"/>
+          </a:ln>
+        </p:spPr>
+        <p:style>
+          <a:lnRef idx="1">
+            <a:schemeClr val="accent1"/>
+          </a:lnRef>
+          <a:fillRef idx="0">
+            <a:schemeClr val="accent1"/>
+          </a:fillRef>
+          <a:effectRef idx="0">
+            <a:schemeClr val="accent1"/>
+          </a:effectRef>
+          <a:fontRef idx="minor">
+            <a:schemeClr val="tx1"/>
+          </a:fontRef>
+        </p:style>
+      </p:cxnSp>
+      <p:graphicFrame>
+        <p:nvGraphicFramePr>
+          <p:cNvPr id="21" name="Content Placeholder 3"/>
+          <p:cNvGraphicFramePr>
+            <a:graphicFrameLocks/>
+          </p:cNvGraphicFramePr>
+          <p:nvPr>
+            <p:extLst>
+              <p:ext uri="{D42A27DB-BD31-4B8C-83A1-F6EECF244321}">
+                <p14:modId xmlns:p14="http://schemas.microsoft.com/office/powerpoint/2010/main" val="1388789104"/>
+              </p:ext>
+            </p:extLst>
+          </p:nvPr>
+        </p:nvGraphicFramePr>
+        <p:xfrm>
+          <a:off x="11194381" y="1807308"/>
+          <a:ext cx="887830" cy="2211402"/>
+        </p:xfrm>
+        <a:graphic>
+          <a:graphicData uri="http://schemas.openxmlformats.org/drawingml/2006/table">
+            <a:tbl>
+              <a:tblPr firstRow="1" bandRow="1">
+                <a:tableStyleId>{5940675A-B579-460E-94D1-54222C63F5DA}</a:tableStyleId>
+              </a:tblPr>
+              <a:tblGrid>
+                <a:gridCol w="887830"/>
+              </a:tblGrid>
+              <a:tr h="368567">
+                <a:tc>
+                  <a:txBody>
+                    <a:bodyPr/>
+                    <a:lstStyle/>
+                    <a:p>
+                      <a:pPr algn="ctr"/>
+                      <a:r>
+                        <a:rPr lang="en-US" dirty="0" smtClean="0"/>
+                        <a:t>6</a:t>
+                      </a:r>
+                      <a:endParaRPr lang="en-US" dirty="0"/>
+                    </a:p>
+                  </a:txBody>
+                  <a:tcPr/>
+                </a:tc>
+              </a:tr>
+              <a:tr h="368567">
+                <a:tc>
+                  <a:txBody>
+                    <a:bodyPr/>
+                    <a:lstStyle/>
+                    <a:p>
+                      <a:pPr algn="ctr"/>
+                      <a:r>
+                        <a:rPr lang="en-US" dirty="0" smtClean="0"/>
+                        <a:t>11</a:t>
+                      </a:r>
+                      <a:endParaRPr lang="en-US" dirty="0"/>
+                    </a:p>
+                  </a:txBody>
+                  <a:tcPr/>
+                </a:tc>
+              </a:tr>
+              <a:tr h="368567">
+                <a:tc>
+                  <a:txBody>
+                    <a:bodyPr/>
+                    <a:lstStyle/>
+                    <a:p>
+                      <a:pPr algn="ctr"/>
+                      <a:r>
+                        <a:rPr lang="en-US" dirty="0" smtClean="0"/>
+                        <a:t>16</a:t>
+                      </a:r>
+                      <a:endParaRPr lang="en-US" dirty="0"/>
+                    </a:p>
+                  </a:txBody>
+                  <a:tcPr/>
+                </a:tc>
+              </a:tr>
+              <a:tr h="368567">
+                <a:tc>
+                  <a:txBody>
+                    <a:bodyPr/>
+                    <a:lstStyle/>
+                    <a:p>
+                      <a:pPr algn="ctr"/>
+                      <a:r>
+                        <a:rPr lang="en-US" dirty="0" smtClean="0"/>
+                        <a:t>21</a:t>
+                      </a:r>
+                      <a:endParaRPr lang="en-US" dirty="0"/>
+                    </a:p>
+                  </a:txBody>
+                  <a:tcPr/>
+                </a:tc>
+              </a:tr>
+              <a:tr h="368567">
+                <a:tc>
+                  <a:txBody>
+                    <a:bodyPr/>
+                    <a:lstStyle/>
+                    <a:p>
+                      <a:pPr algn="ctr"/>
+                      <a:r>
+                        <a:rPr lang="en-US" dirty="0" smtClean="0"/>
+                        <a:t>26</a:t>
+                      </a:r>
+                      <a:endParaRPr lang="en-US" dirty="0"/>
+                    </a:p>
+                  </a:txBody>
+                  <a:tcPr/>
+                </a:tc>
+              </a:tr>
+              <a:tr h="368567">
+                <a:tc>
+                  <a:txBody>
+                    <a:bodyPr/>
+                    <a:lstStyle/>
+                    <a:p>
+                      <a:pPr algn="ctr"/>
+                      <a:r>
+                        <a:rPr lang="en-US" b="1" dirty="0" smtClean="0"/>
+                        <a:t>30</a:t>
+                      </a:r>
+                      <a:endParaRPr lang="en-US" b="1" dirty="0"/>
+                    </a:p>
+                  </a:txBody>
+                  <a:tcPr/>
+                </a:tc>
+              </a:tr>
+            </a:tbl>
+          </a:graphicData>
+        </a:graphic>
+      </p:graphicFrame>
+    </p:spTree>
+    <p:extLst>
+      <p:ext uri="{BB962C8B-B14F-4D97-AF65-F5344CB8AC3E}">
+        <p14:creationId xmlns:p14="http://schemas.microsoft.com/office/powerpoint/2010/main" val="936811217"/>
+      </p:ext>
+    </p:extLst>
+  </p:cSld>
+  <p:clrMapOvr>
+    <a:masterClrMapping/>
+  </p:clrMapOvr>
+</p:sld>
+</file>
+
+<file path=ppt/slides/slide15.xml><?xml version="1.0" encoding="utf-8"?>
+<p:sld xmlns:a="http://schemas.openxmlformats.org/drawingml/2006/main" xmlns:r="http://schemas.openxmlformats.org/officeDocument/2006/relationships" xmlns:p="http://schemas.openxmlformats.org/presentationml/2006/main">
+  <p:cSld>
+    <p:spTree>
+      <p:nvGrpSpPr>
+        <p:cNvPr id="1" name=""/>
+        <p:cNvGrpSpPr/>
+        <p:nvPr/>
+      </p:nvGrpSpPr>
+      <p:grpSpPr>
+        <a:xfrm>
+          <a:off x="0" y="0"/>
+          <a:ext cx="0" cy="0"/>
+          <a:chOff x="0" y="0"/>
+          <a:chExt cx="0" cy="0"/>
+        </a:xfrm>
+      </p:grpSpPr>
+      <p:sp>
+        <p:nvSpPr>
+          <p:cNvPr id="2" name="Title 1"/>
+          <p:cNvSpPr>
+            <a:spLocks noGrp="1"/>
+          </p:cNvSpPr>
+          <p:nvPr>
+            <p:ph type="title"/>
+          </p:nvPr>
+        </p:nvSpPr>
+        <p:spPr/>
+        <p:txBody>
+          <a:bodyPr/>
+          <a:lstStyle/>
+          <a:p>
+            <a:r>
+              <a:rPr lang="en-US" dirty="0" err="1" smtClean="0"/>
+              <a:t>Keys:exit</a:t>
+            </a:r>
+            <a:endParaRPr lang="en-US" dirty="0"/>
+          </a:p>
+        </p:txBody>
+      </p:sp>
+      <p:graphicFrame>
+        <p:nvGraphicFramePr>
+          <p:cNvPr id="4" name="Content Placeholder 3"/>
+          <p:cNvGraphicFramePr>
+            <a:graphicFrameLocks noGrp="1"/>
+          </p:cNvGraphicFramePr>
+          <p:nvPr>
+            <p:ph idx="1"/>
+            <p:extLst>
+              <p:ext uri="{D42A27DB-BD31-4B8C-83A1-F6EECF244321}">
+                <p14:modId xmlns:p14="http://schemas.microsoft.com/office/powerpoint/2010/main" val="1585177676"/>
+              </p:ext>
+            </p:extLst>
+          </p:nvPr>
+        </p:nvGraphicFramePr>
+        <p:xfrm>
+          <a:off x="5605712" y="1806171"/>
+          <a:ext cx="1254292" cy="1842835"/>
+        </p:xfrm>
+        <a:graphic>
+          <a:graphicData uri="http://schemas.openxmlformats.org/drawingml/2006/table">
+            <a:tbl>
+              <a:tblPr firstRow="1" bandRow="1">
+                <a:tableStyleId>{5940675A-B579-460E-94D1-54222C63F5DA}</a:tableStyleId>
+              </a:tblPr>
+              <a:tblGrid>
+                <a:gridCol w="1254292"/>
+              </a:tblGrid>
+              <a:tr h="368567">
+                <a:tc>
+                  <a:txBody>
+                    <a:bodyPr/>
+                    <a:lstStyle/>
+                    <a:p>
+                      <a:pPr algn="ctr"/>
+                      <a:r>
+                        <a:rPr lang="en-US" dirty="0" smtClean="0"/>
+                        <a:t>1:6</a:t>
+                      </a:r>
+                      <a:endParaRPr lang="en-US" dirty="0"/>
+                    </a:p>
+                  </a:txBody>
+                  <a:tcPr/>
+                </a:tc>
+              </a:tr>
+              <a:tr h="368567">
+                <a:tc>
+                  <a:txBody>
+                    <a:bodyPr/>
+                    <a:lstStyle/>
+                    <a:p>
+                      <a:pPr algn="ctr"/>
+                      <a:r>
+                        <a:rPr lang="en-US" dirty="0" smtClean="0">
+                          <a:solidFill>
+                            <a:srgbClr val="FF0000"/>
+                          </a:solidFill>
+                        </a:rPr>
+                        <a:t>2:11</a:t>
+                      </a:r>
+                      <a:endParaRPr lang="en-US" dirty="0">
+                        <a:solidFill>
+                          <a:srgbClr val="FF0000"/>
+                        </a:solidFill>
+                      </a:endParaRPr>
+                    </a:p>
+                  </a:txBody>
+                  <a:tcPr/>
+                </a:tc>
+              </a:tr>
+              <a:tr h="368567">
+                <a:tc>
+                  <a:txBody>
+                    <a:bodyPr/>
+                    <a:lstStyle/>
+                    <a:p>
+                      <a:pPr algn="ctr"/>
+                      <a:r>
+                        <a:rPr lang="en-US" dirty="0" smtClean="0"/>
+                        <a:t>3:21</a:t>
+                      </a:r>
+                      <a:endParaRPr lang="en-US" dirty="0"/>
+                    </a:p>
+                  </a:txBody>
+                  <a:tcPr/>
+                </a:tc>
+              </a:tr>
+              <a:tr h="368567">
+                <a:tc>
+                  <a:txBody>
+                    <a:bodyPr/>
+                    <a:lstStyle/>
+                    <a:p>
+                      <a:pPr algn="ctr"/>
+                      <a:r>
+                        <a:rPr lang="en-US" dirty="0" smtClean="0"/>
+                        <a:t>4:16</a:t>
+                      </a:r>
+                      <a:endParaRPr lang="en-US" dirty="0"/>
+                    </a:p>
+                  </a:txBody>
+                  <a:tcPr/>
+                </a:tc>
+              </a:tr>
+              <a:tr h="368567">
+                <a:tc>
+                  <a:txBody>
+                    <a:bodyPr/>
+                    <a:lstStyle/>
+                    <a:p>
+                      <a:pPr algn="ctr"/>
+                      <a:r>
+                        <a:rPr lang="en-US" dirty="0" smtClean="0"/>
+                        <a:t>5:26</a:t>
+                      </a:r>
+                      <a:endParaRPr lang="en-US" dirty="0"/>
+                    </a:p>
+                  </a:txBody>
+                  <a:tcPr/>
+                </a:tc>
+              </a:tr>
+            </a:tbl>
+          </a:graphicData>
+        </a:graphic>
+      </p:graphicFrame>
+      <p:sp>
+        <p:nvSpPr>
+          <p:cNvPr id="5" name="TextBox 4"/>
+          <p:cNvSpPr txBox="1"/>
+          <p:nvPr/>
+        </p:nvSpPr>
+        <p:spPr>
+          <a:xfrm>
+            <a:off x="0" y="2543677"/>
+            <a:ext cx="581527" cy="369332"/>
+          </a:xfrm>
+          <a:prstGeom prst="rect">
+            <a:avLst/>
+          </a:prstGeom>
+          <a:noFill/>
+        </p:spPr>
+        <p:txBody>
+          <a:bodyPr wrap="square" rtlCol="0">
+            <a:spAutoFit/>
+          </a:bodyPr>
+          <a:lstStyle/>
+          <a:p>
+            <a:r>
+              <a:rPr lang="en-US" dirty="0" smtClean="0"/>
+              <a:t>SVG</a:t>
+            </a:r>
+            <a:endParaRPr lang="en-US" dirty="0"/>
+          </a:p>
+        </p:txBody>
+      </p:sp>
+      <p:cxnSp>
+        <p:nvCxnSpPr>
+          <p:cNvPr id="6" name="Straight Arrow Connector 5"/>
+          <p:cNvCxnSpPr/>
+          <p:nvPr/>
+        </p:nvCxnSpPr>
+        <p:spPr>
+          <a:xfrm>
+            <a:off x="581527" y="2727589"/>
+            <a:ext cx="802106" cy="0"/>
+          </a:xfrm>
+          <a:prstGeom prst="straightConnector1">
+            <a:avLst/>
+          </a:prstGeom>
+          <a:ln>
+            <a:tailEnd type="triangle"/>
+          </a:ln>
+        </p:spPr>
+        <p:style>
+          <a:lnRef idx="1">
+            <a:schemeClr val="accent1"/>
+          </a:lnRef>
+          <a:fillRef idx="0">
+            <a:schemeClr val="accent1"/>
+          </a:fillRef>
+          <a:effectRef idx="0">
+            <a:schemeClr val="accent1"/>
+          </a:effectRef>
+          <a:fontRef idx="minor">
+            <a:schemeClr val="tx1"/>
+          </a:fontRef>
+        </p:style>
+      </p:cxnSp>
+      <p:sp>
+        <p:nvSpPr>
+          <p:cNvPr id="7" name="TextBox 6"/>
+          <p:cNvSpPr txBox="1"/>
+          <p:nvPr/>
+        </p:nvSpPr>
+        <p:spPr>
+          <a:xfrm>
+            <a:off x="1762121" y="3895407"/>
+            <a:ext cx="2021305" cy="369332"/>
+          </a:xfrm>
+          <a:prstGeom prst="rect">
+            <a:avLst/>
+          </a:prstGeom>
+          <a:noFill/>
+        </p:spPr>
+        <p:txBody>
+          <a:bodyPr wrap="square" rtlCol="0">
+            <a:spAutoFit/>
+          </a:bodyPr>
+          <a:lstStyle/>
+          <a:p>
+            <a:r>
+              <a:rPr lang="en-US" dirty="0" smtClean="0"/>
+              <a:t>Created Container</a:t>
+            </a:r>
+            <a:endParaRPr lang="en-US" dirty="0"/>
+          </a:p>
+        </p:txBody>
+      </p:sp>
+      <p:sp>
+        <p:nvSpPr>
+          <p:cNvPr id="8" name="TextBox 7"/>
+          <p:cNvSpPr txBox="1"/>
+          <p:nvPr/>
+        </p:nvSpPr>
+        <p:spPr>
+          <a:xfrm>
+            <a:off x="4320341" y="2549273"/>
+            <a:ext cx="693820" cy="369332"/>
+          </a:xfrm>
+          <a:prstGeom prst="rect">
+            <a:avLst/>
+          </a:prstGeom>
+          <a:noFill/>
+        </p:spPr>
+        <p:txBody>
+          <a:bodyPr wrap="square" rtlCol="0">
+            <a:spAutoFit/>
+          </a:bodyPr>
+          <a:lstStyle/>
+          <a:p>
+            <a:r>
+              <a:rPr lang="en-US" dirty="0" smtClean="0"/>
+              <a:t>Data</a:t>
+            </a:r>
+            <a:endParaRPr lang="en-US" dirty="0"/>
+          </a:p>
+        </p:txBody>
+      </p:sp>
+      <p:cxnSp>
+        <p:nvCxnSpPr>
+          <p:cNvPr id="9" name="Straight Arrow Connector 8"/>
+          <p:cNvCxnSpPr/>
+          <p:nvPr/>
+        </p:nvCxnSpPr>
+        <p:spPr>
+          <a:xfrm>
+            <a:off x="3740819" y="2721908"/>
+            <a:ext cx="489284" cy="0"/>
+          </a:xfrm>
+          <a:prstGeom prst="straightConnector1">
+            <a:avLst/>
+          </a:prstGeom>
+          <a:ln>
+            <a:tailEnd type="triangle"/>
+          </a:ln>
+        </p:spPr>
+        <p:style>
+          <a:lnRef idx="1">
+            <a:schemeClr val="accent1"/>
+          </a:lnRef>
+          <a:fillRef idx="0">
+            <a:schemeClr val="accent1"/>
+          </a:fillRef>
+          <a:effectRef idx="0">
+            <a:schemeClr val="accent1"/>
+          </a:effectRef>
+          <a:fontRef idx="minor">
+            <a:schemeClr val="tx1"/>
+          </a:fontRef>
+        </p:style>
+      </p:cxnSp>
+      <p:cxnSp>
+        <p:nvCxnSpPr>
+          <p:cNvPr id="10" name="Straight Arrow Connector 9"/>
+          <p:cNvCxnSpPr>
+            <a:stCxn id="12" idx="3"/>
+          </p:cNvCxnSpPr>
+          <p:nvPr/>
+        </p:nvCxnSpPr>
+        <p:spPr>
+          <a:xfrm>
+            <a:off x="5014161" y="2733939"/>
+            <a:ext cx="376991" cy="0"/>
+          </a:xfrm>
+          <a:prstGeom prst="straightConnector1">
+            <a:avLst/>
+          </a:prstGeom>
+          <a:ln>
+            <a:tailEnd type="triangle"/>
+          </a:ln>
+        </p:spPr>
+        <p:style>
+          <a:lnRef idx="1">
+            <a:schemeClr val="accent1"/>
+          </a:lnRef>
+          <a:fillRef idx="0">
+            <a:schemeClr val="accent1"/>
+          </a:fillRef>
+          <a:effectRef idx="0">
+            <a:schemeClr val="accent1"/>
+          </a:effectRef>
+          <a:fontRef idx="minor">
+            <a:schemeClr val="tx1"/>
+          </a:fontRef>
+        </p:style>
+      </p:cxnSp>
+      <p:sp>
+        <p:nvSpPr>
+          <p:cNvPr id="11" name="TextBox 10"/>
+          <p:cNvSpPr txBox="1"/>
+          <p:nvPr/>
+        </p:nvSpPr>
+        <p:spPr>
+          <a:xfrm>
+            <a:off x="7283118" y="2543677"/>
+            <a:ext cx="693820" cy="369332"/>
+          </a:xfrm>
+          <a:prstGeom prst="rect">
+            <a:avLst/>
+          </a:prstGeom>
+          <a:noFill/>
+        </p:spPr>
+        <p:txBody>
+          <a:bodyPr wrap="square" rtlCol="0">
+            <a:spAutoFit/>
+          </a:bodyPr>
+          <a:lstStyle/>
+          <a:p>
+            <a:r>
+              <a:rPr lang="en-US" dirty="0" smtClean="0"/>
+              <a:t>exit</a:t>
+            </a:r>
+            <a:endParaRPr lang="en-US" dirty="0"/>
+          </a:p>
+        </p:txBody>
+      </p:sp>
+      <p:cxnSp>
+        <p:nvCxnSpPr>
+          <p:cNvPr id="12" name="Straight Arrow Connector 11"/>
+          <p:cNvCxnSpPr/>
+          <p:nvPr/>
+        </p:nvCxnSpPr>
+        <p:spPr>
+          <a:xfrm>
+            <a:off x="6968792" y="2740374"/>
+            <a:ext cx="337384" cy="0"/>
+          </a:xfrm>
+          <a:prstGeom prst="straightConnector1">
+            <a:avLst/>
+          </a:prstGeom>
+          <a:ln>
+            <a:tailEnd type="triangle"/>
+          </a:ln>
+        </p:spPr>
+        <p:style>
+          <a:lnRef idx="1">
+            <a:schemeClr val="accent1"/>
+          </a:lnRef>
+          <a:fillRef idx="0">
+            <a:schemeClr val="accent1"/>
+          </a:fillRef>
+          <a:effectRef idx="0">
+            <a:schemeClr val="accent1"/>
+          </a:effectRef>
+          <a:fontRef idx="minor">
+            <a:schemeClr val="tx1"/>
+          </a:fontRef>
+        </p:style>
+      </p:cxnSp>
+      <p:cxnSp>
+        <p:nvCxnSpPr>
+          <p:cNvPr id="13" name="Straight Arrow Connector 12"/>
+          <p:cNvCxnSpPr/>
+          <p:nvPr/>
+        </p:nvCxnSpPr>
+        <p:spPr>
+          <a:xfrm>
+            <a:off x="7976938" y="2734778"/>
+            <a:ext cx="376991" cy="0"/>
+          </a:xfrm>
+          <a:prstGeom prst="straightConnector1">
+            <a:avLst/>
+          </a:prstGeom>
+          <a:ln>
+            <a:tailEnd type="triangle"/>
+          </a:ln>
+        </p:spPr>
+        <p:style>
+          <a:lnRef idx="1">
+            <a:schemeClr val="accent1"/>
+          </a:lnRef>
+          <a:fillRef idx="0">
+            <a:schemeClr val="accent1"/>
+          </a:fillRef>
+          <a:effectRef idx="0">
+            <a:schemeClr val="accent1"/>
+          </a:effectRef>
+          <a:fontRef idx="minor">
+            <a:schemeClr val="tx1"/>
+          </a:fontRef>
+        </p:style>
+      </p:cxnSp>
+      <p:graphicFrame>
+        <p:nvGraphicFramePr>
+          <p:cNvPr id="14" name="Content Placeholder 3"/>
+          <p:cNvGraphicFramePr>
+            <a:graphicFrameLocks/>
+          </p:cNvGraphicFramePr>
+          <p:nvPr/>
+        </p:nvGraphicFramePr>
+        <p:xfrm>
+          <a:off x="1729037" y="1806171"/>
+          <a:ext cx="1925054" cy="1842835"/>
+        </p:xfrm>
+        <a:graphic>
+          <a:graphicData uri="http://schemas.openxmlformats.org/drawingml/2006/table">
+            <a:tbl>
+              <a:tblPr firstRow="1" bandRow="1">
+                <a:tableStyleId>{5940675A-B579-460E-94D1-54222C63F5DA}</a:tableStyleId>
+              </a:tblPr>
+              <a:tblGrid>
+                <a:gridCol w="1925054"/>
+              </a:tblGrid>
+              <a:tr h="368567">
+                <a:tc>
+                  <a:txBody>
+                    <a:bodyPr/>
+                    <a:lstStyle/>
+                    <a:p>
+                      <a:pPr algn="ctr"/>
+                      <a:r>
+                        <a:rPr lang="en-US" dirty="0" smtClean="0"/>
+                        <a:t>1:5</a:t>
+                      </a:r>
+                      <a:endParaRPr lang="en-US" dirty="0"/>
+                    </a:p>
+                  </a:txBody>
+                  <a:tcPr/>
+                </a:tc>
+              </a:tr>
+              <a:tr h="368567">
+                <a:tc>
+                  <a:txBody>
+                    <a:bodyPr/>
+                    <a:lstStyle/>
+                    <a:p>
+                      <a:pPr algn="ctr"/>
+                      <a:r>
+                        <a:rPr lang="en-US" dirty="0" smtClean="0"/>
+                        <a:t>2:10</a:t>
+                      </a:r>
+                      <a:endParaRPr lang="en-US" dirty="0"/>
+                    </a:p>
+                  </a:txBody>
+                  <a:tcPr/>
+                </a:tc>
+              </a:tr>
+              <a:tr h="368567">
+                <a:tc>
+                  <a:txBody>
+                    <a:bodyPr/>
+                    <a:lstStyle/>
+                    <a:p>
+                      <a:pPr algn="ctr"/>
+                      <a:r>
+                        <a:rPr lang="en-US" dirty="0" smtClean="0"/>
+                        <a:t>3:15</a:t>
+                      </a:r>
+                      <a:endParaRPr lang="en-US" dirty="0"/>
+                    </a:p>
+                  </a:txBody>
+                  <a:tcPr/>
+                </a:tc>
+              </a:tr>
+              <a:tr h="368567">
+                <a:tc>
+                  <a:txBody>
+                    <a:bodyPr/>
+                    <a:lstStyle/>
+                    <a:p>
+                      <a:pPr algn="ctr"/>
+                      <a:r>
+                        <a:rPr lang="en-US" dirty="0" smtClean="0"/>
+                        <a:t>4:20</a:t>
+                      </a:r>
+                      <a:endParaRPr lang="en-US" dirty="0"/>
+                    </a:p>
+                  </a:txBody>
+                  <a:tcPr/>
+                </a:tc>
+              </a:tr>
+              <a:tr h="368567">
+                <a:tc>
+                  <a:txBody>
+                    <a:bodyPr/>
+                    <a:lstStyle/>
+                    <a:p>
+                      <a:pPr algn="ctr"/>
+                      <a:r>
+                        <a:rPr lang="en-US" dirty="0" smtClean="0"/>
+                        <a:t>5:25</a:t>
+                      </a:r>
+                      <a:endParaRPr lang="en-US" dirty="0"/>
+                    </a:p>
+                  </a:txBody>
+                  <a:tcPr/>
+                </a:tc>
+              </a:tr>
+            </a:tbl>
+          </a:graphicData>
+        </a:graphic>
+      </p:graphicFrame>
+      <p:cxnSp>
+        <p:nvCxnSpPr>
+          <p:cNvPr id="15" name="Straight Arrow Connector 14"/>
+          <p:cNvCxnSpPr/>
+          <p:nvPr/>
+        </p:nvCxnSpPr>
+        <p:spPr>
+          <a:xfrm flipH="1">
+            <a:off x="4559463" y="2906574"/>
+            <a:ext cx="24570" cy="1363761"/>
+          </a:xfrm>
+          <a:prstGeom prst="straightConnector1">
+            <a:avLst/>
+          </a:prstGeom>
+          <a:ln>
+            <a:tailEnd type="triangle"/>
+          </a:ln>
+        </p:spPr>
+        <p:style>
+          <a:lnRef idx="1">
+            <a:schemeClr val="accent1"/>
+          </a:lnRef>
+          <a:fillRef idx="0">
+            <a:schemeClr val="accent1"/>
+          </a:fillRef>
+          <a:effectRef idx="0">
+            <a:schemeClr val="accent1"/>
+          </a:effectRef>
+          <a:fontRef idx="minor">
+            <a:schemeClr val="tx1"/>
+          </a:fontRef>
+        </p:style>
+      </p:cxnSp>
+      <p:sp>
+        <p:nvSpPr>
+          <p:cNvPr id="16" name="TextBox 15"/>
+          <p:cNvSpPr txBox="1"/>
+          <p:nvPr/>
+        </p:nvSpPr>
+        <p:spPr>
+          <a:xfrm>
+            <a:off x="3644566" y="4270335"/>
+            <a:ext cx="2696076" cy="369332"/>
+          </a:xfrm>
+          <a:prstGeom prst="rect">
+            <a:avLst/>
+          </a:prstGeom>
+          <a:noFill/>
+        </p:spPr>
+        <p:txBody>
+          <a:bodyPr wrap="square" rtlCol="0">
+            <a:spAutoFit/>
+          </a:bodyPr>
+          <a:lstStyle/>
+          <a:p>
+            <a:r>
+              <a:rPr lang="en-US" dirty="0" smtClean="0"/>
+              <a:t>[1:6, 3:21, </a:t>
+            </a:r>
+            <a:r>
+              <a:rPr lang="en-US" dirty="0"/>
+              <a:t>4:16,</a:t>
+            </a:r>
+            <a:r>
+              <a:rPr lang="en-US" dirty="0" smtClean="0"/>
+              <a:t> 5:26]</a:t>
+            </a:r>
+            <a:endParaRPr lang="en-US" dirty="0"/>
+          </a:p>
+        </p:txBody>
+      </p:sp>
+      <p:graphicFrame>
+        <p:nvGraphicFramePr>
+          <p:cNvPr id="17" name="Table 16"/>
+          <p:cNvGraphicFramePr>
+            <a:graphicFrameLocks noGrp="1"/>
+          </p:cNvGraphicFramePr>
+          <p:nvPr/>
+        </p:nvGraphicFramePr>
+        <p:xfrm>
+          <a:off x="8458201" y="2581789"/>
+          <a:ext cx="1123448" cy="370840"/>
+        </p:xfrm>
+        <a:graphic>
+          <a:graphicData uri="http://schemas.openxmlformats.org/drawingml/2006/table">
+            <a:tbl>
+              <a:tblPr firstRow="1" bandRow="1">
+                <a:tableStyleId>{2D5ABB26-0587-4C30-8999-92F81FD0307C}</a:tableStyleId>
+              </a:tblPr>
+              <a:tblGrid>
+                <a:gridCol w="1123448"/>
+              </a:tblGrid>
+              <a:tr h="370840">
+                <a:tc>
+                  <a:txBody>
+                    <a:bodyPr/>
+                    <a:lstStyle/>
+                    <a:p>
+                      <a:pPr algn="ctr"/>
+                      <a:r>
+                        <a:rPr lang="en-US" dirty="0" smtClean="0">
+                          <a:solidFill>
+                            <a:srgbClr val="FF0000"/>
+                          </a:solidFill>
+                        </a:rPr>
+                        <a:t>2:11</a:t>
+                      </a:r>
+                      <a:endParaRPr lang="en-US" b="1" dirty="0"/>
+                    </a:p>
+                  </a:txBody>
+                  <a:tcPr>
+                    <a:lnL w="12700" cap="flat" cmpd="sng" algn="ctr">
+                      <a:solidFill>
+                        <a:schemeClr val="tx1"/>
+                      </a:solidFill>
+                      <a:prstDash val="solid"/>
+                      <a:round/>
+                      <a:headEnd type="none" w="med" len="med"/>
+                      <a:tailEnd type="none" w="med" len="med"/>
+                    </a:lnL>
+                    <a:lnR w="12700" cap="flat" cmpd="sng" algn="ctr">
+                      <a:solidFill>
+                        <a:schemeClr val="tx1"/>
+                      </a:solidFill>
+                      <a:prstDash val="solid"/>
+                      <a:round/>
+                      <a:headEnd type="none" w="med" len="med"/>
+                      <a:tailEnd type="none" w="med" len="med"/>
+                    </a:lnR>
+                    <a:lnT w="12700" cap="flat" cmpd="sng" algn="ctr">
+                      <a:solidFill>
+                        <a:schemeClr val="tx1"/>
+                      </a:solidFill>
+                      <a:prstDash val="solid"/>
+                      <a:round/>
+                      <a:headEnd type="none" w="med" len="med"/>
+                      <a:tailEnd type="none" w="med" len="med"/>
+                    </a:lnT>
+                    <a:lnB w="12700" cap="flat" cmpd="sng" algn="ctr">
+                      <a:solidFill>
+                        <a:schemeClr val="tx1"/>
+                      </a:solidFill>
+                      <a:prstDash val="solid"/>
+                      <a:round/>
+                      <a:headEnd type="none" w="med" len="med"/>
+                      <a:tailEnd type="none" w="med" len="med"/>
+                    </a:lnB>
+                  </a:tcPr>
+                </a:tc>
+              </a:tr>
+            </a:tbl>
+          </a:graphicData>
+        </a:graphic>
+      </p:graphicFrame>
+    </p:spTree>
+    <p:extLst>
+      <p:ext uri="{BB962C8B-B14F-4D97-AF65-F5344CB8AC3E}">
+        <p14:creationId xmlns:p14="http://schemas.microsoft.com/office/powerpoint/2010/main" val="2085999771"/>
+      </p:ext>
+    </p:extLst>
+  </p:cSld>
+  <p:clrMapOvr>
+    <a:masterClrMapping/>
+  </p:clrMapOvr>
+</p:sld>
+</file>
+
+<file path=ppt/slides/slide16.xml><?xml version="1.0" encoding="utf-8"?>
+<p:sld xmlns:a="http://schemas.openxmlformats.org/drawingml/2006/main" xmlns:r="http://schemas.openxmlformats.org/officeDocument/2006/relationships" xmlns:p="http://schemas.openxmlformats.org/presentationml/2006/main">
+  <p:cSld>
+    <p:spTree>
+      <p:nvGrpSpPr>
+        <p:cNvPr id="1" name=""/>
+        <p:cNvGrpSpPr/>
+        <p:nvPr/>
+      </p:nvGrpSpPr>
+      <p:grpSpPr>
+        <a:xfrm>
+          <a:off x="0" y="0"/>
+          <a:ext cx="0" cy="0"/>
+          <a:chOff x="0" y="0"/>
+          <a:chExt cx="0" cy="0"/>
+        </a:xfrm>
+      </p:grpSpPr>
+      <p:sp>
+        <p:nvSpPr>
+          <p:cNvPr id="2" name="Title 1"/>
+          <p:cNvSpPr>
+            <a:spLocks noGrp="1"/>
+          </p:cNvSpPr>
+          <p:nvPr>
+            <p:ph type="title"/>
+          </p:nvPr>
+        </p:nvSpPr>
+        <p:spPr/>
+        <p:txBody>
+          <a:bodyPr/>
+          <a:lstStyle/>
+          <a:p>
+            <a:r>
+              <a:rPr lang="en-US" dirty="0" smtClean="0"/>
+              <a:t>Layouts</a:t>
+            </a:r>
+            <a:endParaRPr lang="en-US" dirty="0"/>
+          </a:p>
+        </p:txBody>
+      </p:sp>
+      <p:sp>
+        <p:nvSpPr>
+          <p:cNvPr id="4" name="Rectangle 3"/>
+          <p:cNvSpPr/>
+          <p:nvPr/>
+        </p:nvSpPr>
+        <p:spPr>
+          <a:xfrm>
+            <a:off x="838200" y="1487451"/>
+            <a:ext cx="10182726" cy="646331"/>
+          </a:xfrm>
+          <a:prstGeom prst="rect">
+            <a:avLst/>
+          </a:prstGeom>
+        </p:spPr>
+        <p:txBody>
+          <a:bodyPr wrap="square">
+            <a:spAutoFit/>
+          </a:bodyPr>
+          <a:lstStyle/>
+          <a:p>
+            <a:r>
+              <a:rPr lang="en-US"/>
+              <a:t>D3 layouts take data that you provide and remap or otherwise transform it, thereby generating new data that is more convenient for a specific visual task.</a:t>
+            </a:r>
+          </a:p>
+        </p:txBody>
+      </p:sp>
+    </p:spTree>
+    <p:extLst>
+      <p:ext uri="{BB962C8B-B14F-4D97-AF65-F5344CB8AC3E}">
+        <p14:creationId xmlns:p14="http://schemas.microsoft.com/office/powerpoint/2010/main" val="1205148420"/>
+      </p:ext>
+    </p:extLst>
+  </p:cSld>
+  <p:clrMapOvr>
+    <a:masterClrMapping/>
+  </p:clrMapOvr>
+</p:sld>
+</file>
+
+<file path=ppt/slides/slide17.xml><?xml version="1.0" encoding="utf-8"?>
+<p:sld xmlns:a="http://schemas.openxmlformats.org/drawingml/2006/main" xmlns:r="http://schemas.openxmlformats.org/officeDocument/2006/relationships" xmlns:p="http://schemas.openxmlformats.org/presentationml/2006/main">
+  <p:cSld>
+    <p:spTree>
+      <p:nvGrpSpPr>
+        <p:cNvPr id="1" name=""/>
+        <p:cNvGrpSpPr/>
+        <p:nvPr/>
+      </p:nvGrpSpPr>
+      <p:grpSpPr>
+        <a:xfrm>
+          <a:off x="0" y="0"/>
+          <a:ext cx="0" cy="0"/>
+          <a:chOff x="0" y="0"/>
+          <a:chExt cx="0" cy="0"/>
+        </a:xfrm>
+      </p:grpSpPr>
+      <p:sp>
+        <p:nvSpPr>
+          <p:cNvPr id="2" name="Title 1"/>
+          <p:cNvSpPr>
+            <a:spLocks noGrp="1"/>
+          </p:cNvSpPr>
+          <p:nvPr>
+            <p:ph type="title"/>
+          </p:nvPr>
+        </p:nvSpPr>
+        <p:spPr/>
+        <p:txBody>
+          <a:bodyPr/>
+          <a:lstStyle/>
+          <a:p>
+            <a:r>
+              <a:rPr lang="en-US" dirty="0" smtClean="0"/>
+              <a:t>Pie Chart</a:t>
+            </a:r>
+            <a:endParaRPr lang="en-US" dirty="0"/>
+          </a:p>
+        </p:txBody>
+      </p:sp>
+      <p:pic>
+        <p:nvPicPr>
+          <p:cNvPr id="4" name="Picture 3"/>
+          <p:cNvPicPr>
+            <a:picLocks noChangeAspect="1"/>
+          </p:cNvPicPr>
+          <p:nvPr/>
+        </p:nvPicPr>
+        <p:blipFill>
+          <a:blip r:embed="rId2"/>
+          <a:stretch>
+            <a:fillRect/>
+          </a:stretch>
+        </p:blipFill>
+        <p:spPr>
+          <a:xfrm>
+            <a:off x="838200" y="1383631"/>
+            <a:ext cx="5426242" cy="4932947"/>
+          </a:xfrm>
+          <a:prstGeom prst="rect">
+            <a:avLst/>
+          </a:prstGeom>
+        </p:spPr>
+      </p:pic>
+      <p:pic>
+        <p:nvPicPr>
+          <p:cNvPr id="5" name="Picture 4"/>
+          <p:cNvPicPr>
+            <a:picLocks noChangeAspect="1"/>
+          </p:cNvPicPr>
+          <p:nvPr/>
+        </p:nvPicPr>
+        <p:blipFill>
+          <a:blip r:embed="rId3"/>
+          <a:stretch>
+            <a:fillRect/>
+          </a:stretch>
+        </p:blipFill>
+        <p:spPr>
+          <a:xfrm>
+            <a:off x="7579895" y="1467488"/>
+            <a:ext cx="4559968" cy="4680648"/>
+          </a:xfrm>
+          <a:prstGeom prst="rect">
+            <a:avLst/>
+          </a:prstGeom>
+        </p:spPr>
+      </p:pic>
+    </p:spTree>
+    <p:extLst>
+      <p:ext uri="{BB962C8B-B14F-4D97-AF65-F5344CB8AC3E}">
+        <p14:creationId xmlns:p14="http://schemas.microsoft.com/office/powerpoint/2010/main" val="1761659153"/>
+      </p:ext>
+    </p:extLst>
+  </p:cSld>
+  <p:clrMapOvr>
+    <a:masterClrMapping/>
+  </p:clrMapOvr>
+</p:sld>
+</file>
+
+<file path=ppt/slides/slide18.xml><?xml version="1.0" encoding="utf-8"?>
+<p:sld xmlns:a="http://schemas.openxmlformats.org/drawingml/2006/main" xmlns:r="http://schemas.openxmlformats.org/officeDocument/2006/relationships" xmlns:p="http://schemas.openxmlformats.org/presentationml/2006/main">
+  <p:cSld>
+    <p:spTree>
+      <p:nvGrpSpPr>
+        <p:cNvPr id="1" name=""/>
+        <p:cNvGrpSpPr/>
+        <p:nvPr/>
+      </p:nvGrpSpPr>
+      <p:grpSpPr>
+        <a:xfrm>
+          <a:off x="0" y="0"/>
+          <a:ext cx="0" cy="0"/>
+          <a:chOff x="0" y="0"/>
+          <a:chExt cx="0" cy="0"/>
+        </a:xfrm>
+      </p:grpSpPr>
+      <p:sp>
+        <p:nvSpPr>
+          <p:cNvPr id="2" name="Title 1"/>
+          <p:cNvSpPr>
+            <a:spLocks noGrp="1"/>
+          </p:cNvSpPr>
+          <p:nvPr>
+            <p:ph type="title"/>
+          </p:nvPr>
+        </p:nvSpPr>
+        <p:spPr/>
+        <p:txBody>
+          <a:bodyPr/>
+          <a:lstStyle/>
+          <a:p>
+            <a:r>
+              <a:rPr lang="en-US" dirty="0" smtClean="0"/>
+              <a:t>Stacked Area</a:t>
+            </a:r>
+            <a:endParaRPr lang="en-US" dirty="0"/>
+          </a:p>
+        </p:txBody>
+      </p:sp>
+      <p:sp>
+        <p:nvSpPr>
+          <p:cNvPr id="4" name="Rectangle 3"/>
+          <p:cNvSpPr/>
+          <p:nvPr/>
+        </p:nvSpPr>
+        <p:spPr>
+          <a:xfrm>
+            <a:off x="838200" y="1595735"/>
+            <a:ext cx="8466221" cy="646331"/>
+          </a:xfrm>
+          <a:prstGeom prst="rect">
+            <a:avLst/>
+          </a:prstGeom>
+        </p:spPr>
+        <p:txBody>
+          <a:bodyPr wrap="square">
+            <a:spAutoFit/>
+          </a:bodyPr>
+          <a:lstStyle/>
+          <a:p>
+            <a:r>
+              <a:rPr lang="en-US"/>
+              <a:t>d3.stack()</a:t>
+            </a:r>
+            <a:r>
+              <a:rPr lang="en-US">
+                <a:solidFill>
+                  <a:srgbClr val="333333"/>
+                </a:solidFill>
+                <a:latin typeface="Times New Roman" charset="0"/>
+              </a:rPr>
+              <a:t> converts two-dimensional data into “stacked” data; it calculates a baseline value for each datum, so you can “stack” layers of data on top of one another.</a:t>
+            </a:r>
+            <a:endParaRPr lang="en-US"/>
+          </a:p>
+        </p:txBody>
+      </p:sp>
+      <p:pic>
+        <p:nvPicPr>
+          <p:cNvPr id="5" name="Picture 4"/>
+          <p:cNvPicPr>
+            <a:picLocks noChangeAspect="1"/>
+          </p:cNvPicPr>
+          <p:nvPr/>
+        </p:nvPicPr>
+        <p:blipFill>
+          <a:blip r:embed="rId2"/>
+          <a:stretch>
+            <a:fillRect/>
+          </a:stretch>
+        </p:blipFill>
+        <p:spPr>
+          <a:xfrm>
+            <a:off x="838200" y="2548689"/>
+            <a:ext cx="3949700" cy="1447800"/>
+          </a:xfrm>
+          <a:prstGeom prst="rect">
+            <a:avLst/>
+          </a:prstGeom>
+        </p:spPr>
+      </p:pic>
+      <p:pic>
+        <p:nvPicPr>
+          <p:cNvPr id="6" name="Picture 5"/>
+          <p:cNvPicPr>
+            <a:picLocks noChangeAspect="1"/>
+          </p:cNvPicPr>
+          <p:nvPr/>
+        </p:nvPicPr>
+        <p:blipFill>
+          <a:blip r:embed="rId3"/>
+          <a:stretch>
+            <a:fillRect/>
+          </a:stretch>
+        </p:blipFill>
+        <p:spPr>
+          <a:xfrm>
+            <a:off x="5531185" y="2548689"/>
+            <a:ext cx="4546600" cy="1308100"/>
+          </a:xfrm>
+          <a:prstGeom prst="rect">
+            <a:avLst/>
+          </a:prstGeom>
+        </p:spPr>
+      </p:pic>
+      <p:pic>
+        <p:nvPicPr>
+          <p:cNvPr id="7" name="Picture 6"/>
+          <p:cNvPicPr>
+            <a:picLocks noChangeAspect="1"/>
+          </p:cNvPicPr>
+          <p:nvPr/>
+        </p:nvPicPr>
+        <p:blipFill>
+          <a:blip r:embed="rId4"/>
+          <a:stretch>
+            <a:fillRect/>
+          </a:stretch>
+        </p:blipFill>
+        <p:spPr>
+          <a:xfrm>
+            <a:off x="838200" y="4435976"/>
+            <a:ext cx="5827295" cy="1282700"/>
+          </a:xfrm>
+          <a:prstGeom prst="rect">
+            <a:avLst/>
+          </a:prstGeom>
+        </p:spPr>
+      </p:pic>
+    </p:spTree>
+    <p:extLst>
+      <p:ext uri="{BB962C8B-B14F-4D97-AF65-F5344CB8AC3E}">
+        <p14:creationId xmlns:p14="http://schemas.microsoft.com/office/powerpoint/2010/main" val="961608141"/>
+      </p:ext>
+    </p:extLst>
+  </p:cSld>
+  <p:clrMapOvr>
+    <a:masterClrMapping/>
+  </p:clrMapOvr>
+</p:sld>
+</file>
+
 <file path=ppt/slides/slide2.xml><?xml version="1.0" encoding="utf-8"?>
 <p:sld xmlns:a="http://schemas.openxmlformats.org/drawingml/2006/main" xmlns:r="http://schemas.openxmlformats.org/officeDocument/2006/relationships" xmlns:p="http://schemas.openxmlformats.org/presentationml/2006/main">
   <p:cSld>
@@ -5214,4 +10378,265 @@
     </a:ext>
   </a:extLst>
 </a:theme>
+</file>
+
+<file path=ppt/theme/theme2.xml><?xml version="1.0" encoding="utf-8"?>
+<a:theme xmlns:a="http://schemas.openxmlformats.org/drawingml/2006/main" name="Office Theme">
+  <a:themeElements>
+    <a:clrScheme name="Office">
+      <a:dk1>
+        <a:sysClr val="windowText" lastClr="000000"/>
+      </a:dk1>
+      <a:lt1>
+        <a:sysClr val="window" lastClr="FFFFFF"/>
+      </a:lt1>
+      <a:dk2>
+        <a:srgbClr val="44546A"/>
+      </a:dk2>
+      <a:lt2>
+        <a:srgbClr val="E7E6E6"/>
+      </a:lt2>
+      <a:accent1>
+        <a:srgbClr val="4472C4"/>
+      </a:accent1>
+      <a:accent2>
+        <a:srgbClr val="ED7D31"/>
+      </a:accent2>
+      <a:accent3>
+        <a:srgbClr val="A5A5A5"/>
+      </a:accent3>
+      <a:accent4>
+        <a:srgbClr val="FFC000"/>
+      </a:accent4>
+      <a:accent5>
+        <a:srgbClr val="5B9BD5"/>
+      </a:accent5>
+      <a:accent6>
+        <a:srgbClr val="70AD47"/>
+      </a:accent6>
+      <a:hlink>
+        <a:srgbClr val="0563C1"/>
+      </a:hlink>
+      <a:folHlink>
+        <a:srgbClr val="954F72"/>
+      </a:folHlink>
+    </a:clrScheme>
+    <a:fontScheme name="Office">
+      <a:majorFont>
+        <a:latin typeface="Calibri Light" panose="020F0302020204030204"/>
+        <a:ea typeface=""/>
+        <a:cs typeface=""/>
+        <a:font script="Jpan" typeface="Yu Gothic Light"/>
+        <a:font script="Hang" typeface="맑은 고딕"/>
+        <a:font script="Hans" typeface="DengXian Light"/>
+        <a:font script="Hant" typeface="新細明體"/>
+        <a:font script="Arab" typeface="Times New Roman"/>
+        <a:font script="Hebr" typeface="Times New Roman"/>
+        <a:font script="Thai" typeface="Angsana New"/>
+        <a:font script="Ethi" typeface="Nyala"/>
+        <a:font script="Beng" typeface="Vrinda"/>
+        <a:font script="Gujr" typeface="Shruti"/>
+        <a:font script="Khmr" typeface="MoolBoran"/>
+        <a:font script="Knda" typeface="Tunga"/>
+        <a:font script="Guru" typeface="Raavi"/>
+        <a:font script="Cans" typeface="Euphemia"/>
+        <a:font script="Cher" typeface="Plantagenet Cherokee"/>
+        <a:font script="Yiii" typeface="Microsoft Yi Baiti"/>
+        <a:font script="Tibt" typeface="Microsoft Himalaya"/>
+        <a:font script="Thaa" typeface="MV Boli"/>
+        <a:font script="Deva" typeface="Mangal"/>
+        <a:font script="Telu" typeface="Gautami"/>
+        <a:font script="Taml" typeface="Latha"/>
+        <a:font script="Syrc" typeface="Estrangelo Edessa"/>
+        <a:font script="Orya" typeface="Kalinga"/>
+        <a:font script="Mlym" typeface="Kartika"/>
+        <a:font script="Laoo" typeface="DokChampa"/>
+        <a:font script="Sinh" typeface="Iskoola Pota"/>
+        <a:font script="Mong" typeface="Mongolian Baiti"/>
+        <a:font script="Viet" typeface="Times New Roman"/>
+        <a:font script="Uigh" typeface="Microsoft Uighur"/>
+        <a:font script="Geor" typeface="Sylfaen"/>
+      </a:majorFont>
+      <a:minorFont>
+        <a:latin typeface="Calibri" panose="020F0502020204030204"/>
+        <a:ea typeface=""/>
+        <a:cs typeface=""/>
+        <a:font script="Jpan" typeface="Yu Gothic"/>
+        <a:font script="Hang" typeface="맑은 고딕"/>
+        <a:font script="Hans" typeface="DengXian"/>
+        <a:font script="Hant" typeface="新細明體"/>
+        <a:font script="Arab" typeface="Arial"/>
+        <a:font script="Hebr" typeface="Arial"/>
+        <a:font script="Thai" typeface="Cordia New"/>
+        <a:font script="Ethi" typeface="Nyala"/>
+        <a:font script="Beng" typeface="Vrinda"/>
+        <a:font script="Gujr" typeface="Shruti"/>
+        <a:font script="Khmr" typeface="DaunPenh"/>
+        <a:font script="Knda" typeface="Tunga"/>
+        <a:font script="Guru" typeface="Raavi"/>
+        <a:font script="Cans" typeface="Euphemia"/>
+        <a:font script="Cher" typeface="Plantagenet Cherokee"/>
+        <a:font script="Yiii" typeface="Microsoft Yi Baiti"/>
+        <a:font script="Tibt" typeface="Microsoft Himalaya"/>
+        <a:font script="Thaa" typeface="MV Boli"/>
+        <a:font script="Deva" typeface="Mangal"/>
+        <a:font script="Telu" typeface="Gautami"/>
+        <a:font script="Taml" typeface="Latha"/>
+        <a:font script="Syrc" typeface="Estrangelo Edessa"/>
+        <a:font script="Orya" typeface="Kalinga"/>
+        <a:font script="Mlym" typeface="Kartika"/>
+        <a:font script="Laoo" typeface="DokChampa"/>
+        <a:font script="Sinh" typeface="Iskoola Pota"/>
+        <a:font script="Mong" typeface="Mongolian Baiti"/>
+        <a:font script="Viet" typeface="Arial"/>
+        <a:font script="Uigh" typeface="Microsoft Uighur"/>
+        <a:font script="Geor" typeface="Sylfaen"/>
+      </a:minorFont>
+    </a:fontScheme>
+    <a:fmtScheme name="Office">
+      <a:fillStyleLst>
+        <a:solidFill>
+          <a:schemeClr val="phClr"/>
+        </a:solidFill>
+        <a:gradFill rotWithShape="1">
+          <a:gsLst>
+            <a:gs pos="0">
+              <a:schemeClr val="phClr">
+                <a:lumMod val="110000"/>
+                <a:satMod val="105000"/>
+                <a:tint val="67000"/>
+              </a:schemeClr>
+            </a:gs>
+            <a:gs pos="50000">
+              <a:schemeClr val="phClr">
+                <a:lumMod val="105000"/>
+                <a:satMod val="103000"/>
+                <a:tint val="73000"/>
+              </a:schemeClr>
+            </a:gs>
+            <a:gs pos="100000">
+              <a:schemeClr val="phClr">
+                <a:lumMod val="105000"/>
+                <a:satMod val="109000"/>
+                <a:tint val="81000"/>
+              </a:schemeClr>
+            </a:gs>
+          </a:gsLst>
+          <a:lin ang="5400000" scaled="0"/>
+        </a:gradFill>
+        <a:gradFill rotWithShape="1">
+          <a:gsLst>
+            <a:gs pos="0">
+              <a:schemeClr val="phClr">
+                <a:satMod val="103000"/>
+                <a:lumMod val="102000"/>
+                <a:tint val="94000"/>
+              </a:schemeClr>
+            </a:gs>
+            <a:gs pos="50000">
+              <a:schemeClr val="phClr">
+                <a:satMod val="110000"/>
+                <a:lumMod val="100000"/>
+                <a:shade val="100000"/>
+              </a:schemeClr>
+            </a:gs>
+            <a:gs pos="100000">
+              <a:schemeClr val="phClr">
+                <a:lumMod val="99000"/>
+                <a:satMod val="120000"/>
+                <a:shade val="78000"/>
+              </a:schemeClr>
+            </a:gs>
+          </a:gsLst>
+          <a:lin ang="5400000" scaled="0"/>
+        </a:gradFill>
+      </a:fillStyleLst>
+      <a:lnStyleLst>
+        <a:ln w="6350" cap="flat" cmpd="sng" algn="ctr">
+          <a:solidFill>
+            <a:schemeClr val="phClr"/>
+          </a:solidFill>
+          <a:prstDash val="solid"/>
+          <a:miter lim="800000"/>
+        </a:ln>
+        <a:ln w="12700" cap="flat" cmpd="sng" algn="ctr">
+          <a:solidFill>
+            <a:schemeClr val="phClr"/>
+          </a:solidFill>
+          <a:prstDash val="solid"/>
+          <a:miter lim="800000"/>
+        </a:ln>
+        <a:ln w="19050" cap="flat" cmpd="sng" algn="ctr">
+          <a:solidFill>
+            <a:schemeClr val="phClr"/>
+          </a:solidFill>
+          <a:prstDash val="solid"/>
+          <a:miter lim="800000"/>
+        </a:ln>
+      </a:lnStyleLst>
+      <a:effectStyleLst>
+        <a:effectStyle>
+          <a:effectLst/>
+        </a:effectStyle>
+        <a:effectStyle>
+          <a:effectLst/>
+        </a:effectStyle>
+        <a:effectStyle>
+          <a:effectLst>
+            <a:outerShdw blurRad="57150" dist="19050" dir="5400000" algn="ctr" rotWithShape="0">
+              <a:srgbClr val="000000">
+                <a:alpha val="63000"/>
+              </a:srgbClr>
+            </a:outerShdw>
+          </a:effectLst>
+        </a:effectStyle>
+      </a:effectStyleLst>
+      <a:bgFillStyleLst>
+        <a:solidFill>
+          <a:schemeClr val="phClr"/>
+        </a:solidFill>
+        <a:solidFill>
+          <a:schemeClr val="phClr">
+            <a:tint val="95000"/>
+            <a:satMod val="170000"/>
+          </a:schemeClr>
+        </a:solidFill>
+        <a:gradFill rotWithShape="1">
+          <a:gsLst>
+            <a:gs pos="0">
+              <a:schemeClr val="phClr">
+                <a:tint val="93000"/>
+                <a:satMod val="150000"/>
+                <a:shade val="98000"/>
+                <a:lumMod val="102000"/>
+              </a:schemeClr>
+            </a:gs>
+            <a:gs pos="50000">
+              <a:schemeClr val="phClr">
+                <a:tint val="98000"/>
+                <a:satMod val="130000"/>
+                <a:shade val="90000"/>
+                <a:lumMod val="103000"/>
+              </a:schemeClr>
+            </a:gs>
+            <a:gs pos="100000">
+              <a:schemeClr val="phClr">
+                <a:shade val="63000"/>
+                <a:satMod val="120000"/>
+              </a:schemeClr>
+            </a:gs>
+          </a:gsLst>
+          <a:lin ang="5400000" scaled="0"/>
+        </a:gradFill>
+      </a:bgFillStyleLst>
+    </a:fmtScheme>
+  </a:themeElements>
+  <a:objectDefaults/>
+  <a:extraClrSchemeLst/>
+  <a:extLst>
+    <a:ext uri="{05A4C25C-085E-4340-85A3-A5531E510DB2}">
+      <thm15:themeFamily xmlns:thm15="http://schemas.microsoft.com/office/thememl/2012/main" name="Office Theme" id="{62F939B6-93AF-4DB8-9C6B-D6C7DFDC589F}" vid="{4A3C46E8-61CC-4603-A589-7422A47A8E4A}"/>
+    </a:ext>
+  </a:extLst>
+</a:theme>
 </file>